--- a/_book/plot/china-growth-by-year-1.pptx
+++ b/_book/plot/china-growth-by-year-1.pptx
@@ -3123,7 +3123,7 @@
           <p:spPr>
             <a:xfrm>
               <a:off x="2148681" y="1495425"/>
-              <a:ext cx="6400800" cy="4571999"/>
+              <a:ext cx="6400799" cy="4571999"/>
             </a:xfrm>
             <a:prstGeom prst="rect">
               <a:avLst/>
@@ -3158,7 +3158,7 @@
           <p:spPr>
             <a:xfrm>
               <a:off x="2148681" y="1495425"/>
-              <a:ext cx="6400800" cy="4571999"/>
+              <a:ext cx="6400799" cy="4571999"/>
             </a:xfrm>
             <a:prstGeom prst="rect">
               <a:avLst/>
@@ -3192,8 +3192,8 @@
           </p:nvSpPr>
           <p:spPr>
             <a:xfrm>
-              <a:off x="2693717" y="1789882"/>
-              <a:ext cx="5786175" cy="3877608"/>
+              <a:off x="2695051" y="1790925"/>
+              <a:ext cx="5784840" cy="3873605"/>
             </a:xfrm>
             <a:prstGeom prst="rect">
               <a:avLst/>
@@ -3218,21 +3218,21 @@
           </p:nvSpPr>
           <p:spPr>
             <a:xfrm>
-              <a:off x="2693717" y="5066730"/>
-              <a:ext cx="5786175" cy="0"/>
+              <a:off x="2695051" y="5064390"/>
+              <a:ext cx="5784840" cy="0"/>
             </a:xfrm>
             <a:custGeom>
               <a:avLst/>
               <a:pathLst>
-                <a:path w="5786175" h="0">
+                <a:path w="5784840" h="0">
                   <a:moveTo>
                     <a:pt x="0" y="0"/>
                   </a:moveTo>
                   <a:lnTo>
-                    <a:pt x="5786175" y="0"/>
-                  </a:lnTo>
-                  <a:lnTo>
-                    <a:pt x="5786175" y="0"/>
+                    <a:pt x="5784840" y="0"/>
+                  </a:lnTo>
+                  <a:lnTo>
+                    <a:pt x="5784840" y="0"/>
                   </a:lnTo>
                 </a:path>
               </a:pathLst>
@@ -3261,21 +3261,21 @@
           </p:nvSpPr>
           <p:spPr>
             <a:xfrm>
-              <a:off x="2693717" y="4217718"/>
-              <a:ext cx="5786175" cy="0"/>
+              <a:off x="2695051" y="4216254"/>
+              <a:ext cx="5784840" cy="0"/>
             </a:xfrm>
             <a:custGeom>
               <a:avLst/>
               <a:pathLst>
-                <a:path w="5786175" h="0">
+                <a:path w="5784840" h="0">
                   <a:moveTo>
                     <a:pt x="0" y="0"/>
                   </a:moveTo>
                   <a:lnTo>
-                    <a:pt x="5786175" y="0"/>
-                  </a:lnTo>
-                  <a:lnTo>
-                    <a:pt x="5786175" y="0"/>
+                    <a:pt x="5784840" y="0"/>
+                  </a:lnTo>
+                  <a:lnTo>
+                    <a:pt x="5784840" y="0"/>
                   </a:lnTo>
                 </a:path>
               </a:pathLst>
@@ -3304,21 +3304,21 @@
           </p:nvSpPr>
           <p:spPr>
             <a:xfrm>
-              <a:off x="2693717" y="3368706"/>
-              <a:ext cx="5786175" cy="0"/>
+              <a:off x="2695051" y="3368118"/>
+              <a:ext cx="5784840" cy="0"/>
             </a:xfrm>
             <a:custGeom>
               <a:avLst/>
               <a:pathLst>
-                <a:path w="5786175" h="0">
+                <a:path w="5784840" h="0">
                   <a:moveTo>
                     <a:pt x="0" y="0"/>
                   </a:moveTo>
                   <a:lnTo>
-                    <a:pt x="5786175" y="0"/>
-                  </a:lnTo>
-                  <a:lnTo>
-                    <a:pt x="5786175" y="0"/>
+                    <a:pt x="5784840" y="0"/>
+                  </a:lnTo>
+                  <a:lnTo>
+                    <a:pt x="5784840" y="0"/>
                   </a:lnTo>
                 </a:path>
               </a:pathLst>
@@ -3347,21 +3347,21 @@
           </p:nvSpPr>
           <p:spPr>
             <a:xfrm>
-              <a:off x="2693717" y="2519693"/>
-              <a:ext cx="5786175" cy="0"/>
+              <a:off x="2695051" y="2519982"/>
+              <a:ext cx="5784840" cy="0"/>
             </a:xfrm>
             <a:custGeom>
               <a:avLst/>
               <a:pathLst>
-                <a:path w="5786175" h="0">
+                <a:path w="5784840" h="0">
                   <a:moveTo>
                     <a:pt x="0" y="0"/>
                   </a:moveTo>
                   <a:lnTo>
-                    <a:pt x="5786175" y="0"/>
-                  </a:lnTo>
-                  <a:lnTo>
-                    <a:pt x="5786175" y="0"/>
+                    <a:pt x="5784840" y="0"/>
+                  </a:lnTo>
+                  <a:lnTo>
+                    <a:pt x="5784840" y="0"/>
                   </a:lnTo>
                 </a:path>
               </a:pathLst>
@@ -3390,15 +3390,15 @@
           </p:nvSpPr>
           <p:spPr>
             <a:xfrm>
-              <a:off x="3833418" y="1789882"/>
-              <a:ext cx="0" cy="3877608"/>
+              <a:off x="3834489" y="1790925"/>
+              <a:ext cx="0" cy="3873605"/>
             </a:xfrm>
             <a:custGeom>
               <a:avLst/>
               <a:pathLst>
-                <a:path w="0" h="3877608">
+                <a:path w="0" h="3873605">
                   <a:moveTo>
-                    <a:pt x="0" y="3877608"/>
+                    <a:pt x="0" y="3873605"/>
                   </a:moveTo>
                   <a:lnTo>
                     <a:pt x="0" y="0"/>
@@ -3433,15 +3433,15 @@
           </p:nvSpPr>
           <p:spPr>
             <a:xfrm>
-              <a:off x="5586804" y="1789882"/>
-              <a:ext cx="0" cy="3877608"/>
+              <a:off x="5587472" y="1790925"/>
+              <a:ext cx="0" cy="3873605"/>
             </a:xfrm>
             <a:custGeom>
               <a:avLst/>
               <a:pathLst>
-                <a:path w="0" h="3877608">
+                <a:path w="0" h="3873605">
                   <a:moveTo>
-                    <a:pt x="0" y="3877608"/>
+                    <a:pt x="0" y="3873605"/>
                   </a:moveTo>
                   <a:lnTo>
                     <a:pt x="0" y="0"/>
@@ -3476,15 +3476,15 @@
           </p:nvSpPr>
           <p:spPr>
             <a:xfrm>
-              <a:off x="7340191" y="1789882"/>
-              <a:ext cx="0" cy="3877608"/>
+              <a:off x="7340454" y="1790925"/>
+              <a:ext cx="0" cy="3873605"/>
             </a:xfrm>
             <a:custGeom>
               <a:avLst/>
               <a:pathLst>
-                <a:path w="0" h="3877608">
+                <a:path w="0" h="3873605">
                   <a:moveTo>
-                    <a:pt x="0" y="3877608"/>
+                    <a:pt x="0" y="3873605"/>
                   </a:moveTo>
                   <a:lnTo>
                     <a:pt x="0" y="0"/>
@@ -3519,21 +3519,21 @@
           </p:nvSpPr>
           <p:spPr>
             <a:xfrm>
-              <a:off x="2693717" y="5491236"/>
-              <a:ext cx="5786175" cy="0"/>
+              <a:off x="2695051" y="5488458"/>
+              <a:ext cx="5784840" cy="0"/>
             </a:xfrm>
             <a:custGeom>
               <a:avLst/>
               <a:pathLst>
-                <a:path w="5786175" h="0">
+                <a:path w="5784840" h="0">
                   <a:moveTo>
                     <a:pt x="0" y="0"/>
                   </a:moveTo>
                   <a:lnTo>
-                    <a:pt x="5786175" y="0"/>
-                  </a:lnTo>
-                  <a:lnTo>
-                    <a:pt x="5786175" y="0"/>
+                    <a:pt x="5784840" y="0"/>
+                  </a:lnTo>
+                  <a:lnTo>
+                    <a:pt x="5784840" y="0"/>
                   </a:lnTo>
                 </a:path>
               </a:pathLst>
@@ -3562,21 +3562,21 @@
           </p:nvSpPr>
           <p:spPr>
             <a:xfrm>
-              <a:off x="2693717" y="4642224"/>
-              <a:ext cx="5786175" cy="0"/>
+              <a:off x="2695051" y="4640322"/>
+              <a:ext cx="5784840" cy="0"/>
             </a:xfrm>
             <a:custGeom>
               <a:avLst/>
               <a:pathLst>
-                <a:path w="5786175" h="0">
+                <a:path w="5784840" h="0">
                   <a:moveTo>
                     <a:pt x="0" y="0"/>
                   </a:moveTo>
                   <a:lnTo>
-                    <a:pt x="5786175" y="0"/>
-                  </a:lnTo>
-                  <a:lnTo>
-                    <a:pt x="5786175" y="0"/>
+                    <a:pt x="5784840" y="0"/>
+                  </a:lnTo>
+                  <a:lnTo>
+                    <a:pt x="5784840" y="0"/>
                   </a:lnTo>
                 </a:path>
               </a:pathLst>
@@ -3605,21 +3605,21 @@
           </p:nvSpPr>
           <p:spPr>
             <a:xfrm>
-              <a:off x="2693717" y="3793212"/>
-              <a:ext cx="5786175" cy="0"/>
+              <a:off x="2695051" y="3792186"/>
+              <a:ext cx="5784840" cy="0"/>
             </a:xfrm>
             <a:custGeom>
               <a:avLst/>
               <a:pathLst>
-                <a:path w="5786175" h="0">
+                <a:path w="5784840" h="0">
                   <a:moveTo>
                     <a:pt x="0" y="0"/>
                   </a:moveTo>
                   <a:lnTo>
-                    <a:pt x="5786175" y="0"/>
-                  </a:lnTo>
-                  <a:lnTo>
-                    <a:pt x="5786175" y="0"/>
+                    <a:pt x="5784840" y="0"/>
+                  </a:lnTo>
+                  <a:lnTo>
+                    <a:pt x="5784840" y="0"/>
                   </a:lnTo>
                 </a:path>
               </a:pathLst>
@@ -3648,21 +3648,21 @@
           </p:nvSpPr>
           <p:spPr>
             <a:xfrm>
-              <a:off x="2693717" y="2944199"/>
-              <a:ext cx="5786175" cy="0"/>
+              <a:off x="2695051" y="2944050"/>
+              <a:ext cx="5784840" cy="0"/>
             </a:xfrm>
             <a:custGeom>
               <a:avLst/>
               <a:pathLst>
-                <a:path w="5786175" h="0">
+                <a:path w="5784840" h="0">
                   <a:moveTo>
                     <a:pt x="0" y="0"/>
                   </a:moveTo>
                   <a:lnTo>
-                    <a:pt x="5786175" y="0"/>
-                  </a:lnTo>
-                  <a:lnTo>
-                    <a:pt x="5786175" y="0"/>
+                    <a:pt x="5784840" y="0"/>
+                  </a:lnTo>
+                  <a:lnTo>
+                    <a:pt x="5784840" y="0"/>
                   </a:lnTo>
                 </a:path>
               </a:pathLst>
@@ -3691,21 +3691,21 @@
           </p:nvSpPr>
           <p:spPr>
             <a:xfrm>
-              <a:off x="2693717" y="2095187"/>
-              <a:ext cx="5786175" cy="0"/>
+              <a:off x="2695051" y="2095914"/>
+              <a:ext cx="5784840" cy="0"/>
             </a:xfrm>
             <a:custGeom>
               <a:avLst/>
               <a:pathLst>
-                <a:path w="5786175" h="0">
+                <a:path w="5784840" h="0">
                   <a:moveTo>
                     <a:pt x="0" y="0"/>
                   </a:moveTo>
                   <a:lnTo>
-                    <a:pt x="5786175" y="0"/>
-                  </a:lnTo>
-                  <a:lnTo>
-                    <a:pt x="5786175" y="0"/>
+                    <a:pt x="5784840" y="0"/>
+                  </a:lnTo>
+                  <a:lnTo>
+                    <a:pt x="5784840" y="0"/>
                   </a:lnTo>
                 </a:path>
               </a:pathLst>
@@ -3734,15 +3734,15 @@
           </p:nvSpPr>
           <p:spPr>
             <a:xfrm>
-              <a:off x="2956725" y="1789882"/>
-              <a:ext cx="0" cy="3877608"/>
+              <a:off x="2957998" y="1790925"/>
+              <a:ext cx="0" cy="3873605"/>
             </a:xfrm>
             <a:custGeom>
               <a:avLst/>
               <a:pathLst>
-                <a:path w="0" h="3877608">
+                <a:path w="0" h="3873605">
                   <a:moveTo>
-                    <a:pt x="0" y="3877608"/>
+                    <a:pt x="0" y="3873605"/>
                   </a:moveTo>
                   <a:lnTo>
                     <a:pt x="0" y="0"/>
@@ -3777,15 +3777,15 @@
           </p:nvSpPr>
           <p:spPr>
             <a:xfrm>
-              <a:off x="4710111" y="1789882"/>
-              <a:ext cx="0" cy="3877608"/>
+              <a:off x="4710981" y="1790925"/>
+              <a:ext cx="0" cy="3873605"/>
             </a:xfrm>
             <a:custGeom>
               <a:avLst/>
               <a:pathLst>
-                <a:path w="0" h="3877608">
+                <a:path w="0" h="3873605">
                   <a:moveTo>
-                    <a:pt x="0" y="3877608"/>
+                    <a:pt x="0" y="3873605"/>
                   </a:moveTo>
                   <a:lnTo>
                     <a:pt x="0" y="0"/>
@@ -3820,15 +3820,15 @@
           </p:nvSpPr>
           <p:spPr>
             <a:xfrm>
-              <a:off x="6463498" y="1789882"/>
-              <a:ext cx="0" cy="3877608"/>
+              <a:off x="6463963" y="1790925"/>
+              <a:ext cx="0" cy="3873605"/>
             </a:xfrm>
             <a:custGeom>
               <a:avLst/>
               <a:pathLst>
-                <a:path w="0" h="3877608">
+                <a:path w="0" h="3873605">
                   <a:moveTo>
-                    <a:pt x="0" y="3877608"/>
+                    <a:pt x="0" y="3873605"/>
                   </a:moveTo>
                   <a:lnTo>
                     <a:pt x="0" y="0"/>
@@ -3863,15 +3863,15 @@
           </p:nvSpPr>
           <p:spPr>
             <a:xfrm>
-              <a:off x="8216884" y="1789882"/>
-              <a:ext cx="0" cy="3877608"/>
+              <a:off x="8216945" y="1790925"/>
+              <a:ext cx="0" cy="3873605"/>
             </a:xfrm>
             <a:custGeom>
               <a:avLst/>
               <a:pathLst>
-                <a:path w="0" h="3877608">
+                <a:path w="0" h="3873605">
                   <a:moveTo>
-                    <a:pt x="0" y="3877608"/>
+                    <a:pt x="0" y="3873605"/>
                   </a:moveTo>
                   <a:lnTo>
                     <a:pt x="0" y="0"/>
@@ -3906,7 +3906,7 @@
           </p:nvSpPr>
           <p:spPr>
             <a:xfrm>
-              <a:off x="8171732" y="1920985"/>
+              <a:off x="8171793" y="1921846"/>
               <a:ext cx="90303" cy="90303"/>
             </a:xfrm>
             <a:prstGeom prst="ellipse">
@@ -3941,7 +3941,7 @@
           </p:nvSpPr>
           <p:spPr>
             <a:xfrm>
-              <a:off x="7996393" y="2145125"/>
+              <a:off x="7996495" y="2145754"/>
               <a:ext cx="90303" cy="90303"/>
             </a:xfrm>
             <a:prstGeom prst="ellipse">
@@ -3976,7 +3976,7 @@
           </p:nvSpPr>
           <p:spPr>
             <a:xfrm>
-              <a:off x="7821055" y="3388079"/>
+              <a:off x="7821196" y="3387425"/>
               <a:ext cx="90303" cy="90303"/>
             </a:xfrm>
             <a:prstGeom prst="ellipse">
@@ -4011,7 +4011,7 @@
           </p:nvSpPr>
           <p:spPr>
             <a:xfrm>
-              <a:off x="7645716" y="3734476"/>
+              <a:off x="7645898" y="3733464"/>
               <a:ext cx="90303" cy="90303"/>
             </a:xfrm>
             <a:prstGeom prst="ellipse">
@@ -4046,7 +4046,7 @@
           </p:nvSpPr>
           <p:spPr>
             <a:xfrm>
-              <a:off x="7470378" y="4165774"/>
+              <a:off x="7470600" y="4164317"/>
               <a:ext cx="90303" cy="90303"/>
             </a:xfrm>
             <a:prstGeom prst="ellipse">
@@ -4081,7 +4081,7 @@
           </p:nvSpPr>
           <p:spPr>
             <a:xfrm>
-              <a:off x="7295039" y="4335576"/>
+              <a:off x="7295302" y="4333944"/>
               <a:ext cx="90303" cy="90303"/>
             </a:xfrm>
             <a:prstGeom prst="ellipse">
@@ -4116,7 +4116,7 @@
           </p:nvSpPr>
           <p:spPr>
             <a:xfrm>
-              <a:off x="7119700" y="4563112"/>
+              <a:off x="7120004" y="4561244"/>
               <a:ext cx="90303" cy="90303"/>
             </a:xfrm>
             <a:prstGeom prst="ellipse">
@@ -4151,7 +4151,7 @@
           </p:nvSpPr>
           <p:spPr>
             <a:xfrm>
-              <a:off x="6944362" y="4732914"/>
+              <a:off x="6944705" y="4730872"/>
               <a:ext cx="90303" cy="90303"/>
             </a:xfrm>
             <a:prstGeom prst="ellipse">
@@ -4186,7 +4186,7 @@
           </p:nvSpPr>
           <p:spPr>
             <a:xfrm>
-              <a:off x="6769023" y="4811023"/>
+              <a:off x="6769407" y="4808900"/>
               <a:ext cx="90303" cy="90303"/>
             </a:xfrm>
             <a:prstGeom prst="ellipse">
@@ -4221,7 +4221,7 @@
           </p:nvSpPr>
           <p:spPr>
             <a:xfrm>
-              <a:off x="6593684" y="5021578"/>
+              <a:off x="6594109" y="5019238"/>
               <a:ext cx="90303" cy="90303"/>
             </a:xfrm>
             <a:prstGeom prst="ellipse">
@@ -4256,7 +4256,7 @@
           </p:nvSpPr>
           <p:spPr>
             <a:xfrm>
-              <a:off x="6418346" y="5055539"/>
+              <a:off x="6418811" y="5053163"/>
               <a:ext cx="90303" cy="90303"/>
             </a:xfrm>
             <a:prstGeom prst="ellipse">
@@ -4291,7 +4291,7 @@
           </p:nvSpPr>
           <p:spPr>
             <a:xfrm>
-              <a:off x="6243007" y="5174400"/>
+              <a:off x="6243513" y="5171902"/>
               <a:ext cx="90303" cy="90303"/>
             </a:xfrm>
             <a:prstGeom prst="ellipse">
@@ -4326,7 +4326,7 @@
           </p:nvSpPr>
           <p:spPr>
             <a:xfrm>
-              <a:off x="6067668" y="5266094"/>
+              <a:off x="6068214" y="5263501"/>
               <a:ext cx="90303" cy="90303"/>
             </a:xfrm>
             <a:prstGeom prst="ellipse">
@@ -4361,7 +4361,7 @@
           </p:nvSpPr>
           <p:spPr>
             <a:xfrm>
-              <a:off x="5892330" y="5245717"/>
+              <a:off x="5892916" y="5243146"/>
               <a:ext cx="90303" cy="90303"/>
             </a:xfrm>
             <a:prstGeom prst="ellipse">
@@ -4396,7 +4396,7 @@
           </p:nvSpPr>
           <p:spPr>
             <a:xfrm>
-              <a:off x="5716991" y="5361183"/>
+              <a:off x="5717618" y="5358492"/>
               <a:ext cx="90303" cy="90303"/>
             </a:xfrm>
             <a:prstGeom prst="ellipse">
@@ -4431,7 +4431,7 @@
           </p:nvSpPr>
           <p:spPr>
             <a:xfrm>
-              <a:off x="5541653" y="5364579"/>
+              <a:off x="5542320" y="5361885"/>
               <a:ext cx="90303" cy="90303"/>
             </a:xfrm>
             <a:prstGeom prst="ellipse">
@@ -4466,7 +4466,7 @@
           </p:nvSpPr>
           <p:spPr>
             <a:xfrm>
-              <a:off x="5366314" y="5354391"/>
+              <a:off x="5367021" y="5351707"/>
               <a:ext cx="90303" cy="90303"/>
             </a:xfrm>
             <a:prstGeom prst="ellipse">
@@ -4501,7 +4501,7 @@
           </p:nvSpPr>
           <p:spPr>
             <a:xfrm>
-              <a:off x="5190975" y="5415520"/>
+              <a:off x="5191723" y="5412773"/>
               <a:ext cx="90303" cy="90303"/>
             </a:xfrm>
             <a:prstGeom prst="ellipse">
@@ -4536,7 +4536,7 @@
           </p:nvSpPr>
           <p:spPr>
             <a:xfrm>
-              <a:off x="5015637" y="5439292"/>
+              <a:off x="5016425" y="5436521"/>
               <a:ext cx="90303" cy="90303"/>
             </a:xfrm>
             <a:prstGeom prst="ellipse">
@@ -4571,7 +4571,7 @@
           </p:nvSpPr>
           <p:spPr>
             <a:xfrm>
-              <a:off x="4840298" y="5442688"/>
+              <a:off x="4841127" y="5439913"/>
               <a:ext cx="90303" cy="90303"/>
             </a:xfrm>
             <a:prstGeom prst="ellipse">
@@ -4606,7 +4606,7 @@
           </p:nvSpPr>
           <p:spPr>
             <a:xfrm>
-              <a:off x="4664959" y="5442688"/>
+              <a:off x="4665829" y="5439913"/>
               <a:ext cx="90303" cy="90303"/>
             </a:xfrm>
             <a:prstGeom prst="ellipse">
@@ -4641,7 +4641,7 @@
           </p:nvSpPr>
           <p:spPr>
             <a:xfrm>
-              <a:off x="4138943" y="5442688"/>
+              <a:off x="4139934" y="5439913"/>
               <a:ext cx="90303" cy="90303"/>
             </a:xfrm>
             <a:prstGeom prst="ellipse">
@@ -4676,7 +4676,7 @@
           </p:nvSpPr>
           <p:spPr>
             <a:xfrm>
-              <a:off x="3437589" y="5442688"/>
+              <a:off x="3438741" y="5439913"/>
               <a:ext cx="90303" cy="90303"/>
             </a:xfrm>
             <a:prstGeom prst="ellipse">
@@ -4711,150 +4711,150 @@
           </p:nvSpPr>
           <p:spPr>
             <a:xfrm>
-              <a:off x="3482741" y="1966137"/>
-              <a:ext cx="4734143" cy="3525098"/>
+              <a:off x="3483893" y="1966998"/>
+              <a:ext cx="4733051" cy="3521459"/>
             </a:xfrm>
             <a:custGeom>
               <a:avLst/>
               <a:pathLst>
-                <a:path w="4734143" h="3525098">
+                <a:path w="4733051" h="3521459">
                   <a:moveTo>
-                    <a:pt x="0" y="3521702"/>
+                    <a:pt x="0" y="3518067"/>
                   </a:moveTo>
                   <a:lnTo>
-                    <a:pt x="701354" y="3521702"/>
-                  </a:lnTo>
-                  <a:lnTo>
-                    <a:pt x="1227370" y="3521702"/>
-                  </a:lnTo>
-                  <a:lnTo>
-                    <a:pt x="1402709" y="3521702"/>
-                  </a:lnTo>
-                  <a:lnTo>
-                    <a:pt x="1578047" y="3518306"/>
-                  </a:lnTo>
-                  <a:lnTo>
-                    <a:pt x="1753386" y="3494534"/>
-                  </a:lnTo>
-                  <a:lnTo>
-                    <a:pt x="1928725" y="3433405"/>
-                  </a:lnTo>
-                  <a:lnTo>
-                    <a:pt x="2104063" y="3443593"/>
-                  </a:lnTo>
-                  <a:lnTo>
-                    <a:pt x="2279402" y="3440197"/>
-                  </a:lnTo>
-                  <a:lnTo>
-                    <a:pt x="2454740" y="3324731"/>
-                  </a:lnTo>
-                  <a:lnTo>
-                    <a:pt x="2630079" y="3345108"/>
-                  </a:lnTo>
-                  <a:lnTo>
-                    <a:pt x="2805418" y="3253414"/>
-                  </a:lnTo>
-                  <a:lnTo>
-                    <a:pt x="2980756" y="3134553"/>
-                  </a:lnTo>
-                  <a:lnTo>
-                    <a:pt x="3156095" y="3100592"/>
-                  </a:lnTo>
-                  <a:lnTo>
-                    <a:pt x="3331434" y="2890037"/>
-                  </a:lnTo>
-                  <a:lnTo>
-                    <a:pt x="3506772" y="2811928"/>
-                  </a:lnTo>
-                  <a:lnTo>
-                    <a:pt x="3682111" y="2642126"/>
-                  </a:lnTo>
-                  <a:lnTo>
-                    <a:pt x="3857450" y="2414590"/>
-                  </a:lnTo>
-                  <a:lnTo>
-                    <a:pt x="4032788" y="2244788"/>
-                  </a:lnTo>
-                  <a:lnTo>
-                    <a:pt x="4208127" y="1813490"/>
-                  </a:lnTo>
-                  <a:lnTo>
-                    <a:pt x="4383465" y="1467093"/>
-                  </a:lnTo>
-                  <a:lnTo>
-                    <a:pt x="4558804" y="224139"/>
-                  </a:lnTo>
-                  <a:lnTo>
-                    <a:pt x="4734143" y="0"/>
-                  </a:lnTo>
-                  <a:lnTo>
-                    <a:pt x="4734143" y="3525098"/>
-                  </a:lnTo>
-                  <a:lnTo>
-                    <a:pt x="4558804" y="3525098"/>
-                  </a:lnTo>
-                  <a:lnTo>
-                    <a:pt x="4383465" y="3525098"/>
-                  </a:lnTo>
-                  <a:lnTo>
-                    <a:pt x="4208127" y="3525098"/>
-                  </a:lnTo>
-                  <a:lnTo>
-                    <a:pt x="4032788" y="3525098"/>
-                  </a:lnTo>
-                  <a:lnTo>
-                    <a:pt x="3857450" y="3525098"/>
-                  </a:lnTo>
-                  <a:lnTo>
-                    <a:pt x="3682111" y="3525098"/>
-                  </a:lnTo>
-                  <a:lnTo>
-                    <a:pt x="3506772" y="3525098"/>
-                  </a:lnTo>
-                  <a:lnTo>
-                    <a:pt x="3331434" y="3525098"/>
-                  </a:lnTo>
-                  <a:lnTo>
-                    <a:pt x="3156095" y="3525098"/>
-                  </a:lnTo>
-                  <a:lnTo>
-                    <a:pt x="2980756" y="3525098"/>
-                  </a:lnTo>
-                  <a:lnTo>
-                    <a:pt x="2805418" y="3525098"/>
-                  </a:lnTo>
-                  <a:lnTo>
-                    <a:pt x="2630079" y="3525098"/>
-                  </a:lnTo>
-                  <a:lnTo>
-                    <a:pt x="2454740" y="3525098"/>
-                  </a:lnTo>
-                  <a:lnTo>
-                    <a:pt x="2279402" y="3525098"/>
-                  </a:lnTo>
-                  <a:lnTo>
-                    <a:pt x="2104063" y="3525098"/>
-                  </a:lnTo>
-                  <a:lnTo>
-                    <a:pt x="1928725" y="3525098"/>
-                  </a:lnTo>
-                  <a:lnTo>
-                    <a:pt x="1753386" y="3525098"/>
-                  </a:lnTo>
-                  <a:lnTo>
-                    <a:pt x="1578047" y="3525098"/>
-                  </a:lnTo>
-                  <a:lnTo>
-                    <a:pt x="1402709" y="3525098"/>
-                  </a:lnTo>
-                  <a:lnTo>
-                    <a:pt x="1227370" y="3525098"/>
-                  </a:lnTo>
-                  <a:lnTo>
-                    <a:pt x="701354" y="3525098"/>
-                  </a:lnTo>
-                  <a:lnTo>
-                    <a:pt x="0" y="3525098"/>
+                    <a:pt x="701192" y="3518067"/>
+                  </a:lnTo>
+                  <a:lnTo>
+                    <a:pt x="1227087" y="3518067"/>
+                  </a:lnTo>
+                  <a:lnTo>
+                    <a:pt x="1402385" y="3518067"/>
+                  </a:lnTo>
+                  <a:lnTo>
+                    <a:pt x="1577683" y="3514674"/>
+                  </a:lnTo>
+                  <a:lnTo>
+                    <a:pt x="1752982" y="3490927"/>
+                  </a:lnTo>
+                  <a:lnTo>
+                    <a:pt x="1928280" y="3429861"/>
+                  </a:lnTo>
+                  <a:lnTo>
+                    <a:pt x="2103578" y="3440038"/>
+                  </a:lnTo>
+                  <a:lnTo>
+                    <a:pt x="2278876" y="3436646"/>
+                  </a:lnTo>
+                  <a:lnTo>
+                    <a:pt x="2454174" y="3321299"/>
+                  </a:lnTo>
+                  <a:lnTo>
+                    <a:pt x="2629473" y="3341655"/>
+                  </a:lnTo>
+                  <a:lnTo>
+                    <a:pt x="2804771" y="3250056"/>
+                  </a:lnTo>
+                  <a:lnTo>
+                    <a:pt x="2980069" y="3131317"/>
+                  </a:lnTo>
+                  <a:lnTo>
+                    <a:pt x="3155367" y="3097392"/>
+                  </a:lnTo>
+                  <a:lnTo>
+                    <a:pt x="3330665" y="2887054"/>
+                  </a:lnTo>
+                  <a:lnTo>
+                    <a:pt x="3505964" y="2809025"/>
+                  </a:lnTo>
+                  <a:lnTo>
+                    <a:pt x="3681262" y="2639398"/>
+                  </a:lnTo>
+                  <a:lnTo>
+                    <a:pt x="3856560" y="2412098"/>
+                  </a:lnTo>
+                  <a:lnTo>
+                    <a:pt x="4031858" y="2242471"/>
+                  </a:lnTo>
+                  <a:lnTo>
+                    <a:pt x="4207156" y="1811618"/>
+                  </a:lnTo>
+                  <a:lnTo>
+                    <a:pt x="4382455" y="1465578"/>
+                  </a:lnTo>
+                  <a:lnTo>
+                    <a:pt x="4557753" y="223907"/>
+                  </a:lnTo>
+                  <a:lnTo>
+                    <a:pt x="4733051" y="0"/>
+                  </a:lnTo>
+                  <a:lnTo>
+                    <a:pt x="4733051" y="3521459"/>
+                  </a:lnTo>
+                  <a:lnTo>
+                    <a:pt x="4557753" y="3521459"/>
+                  </a:lnTo>
+                  <a:lnTo>
+                    <a:pt x="4382455" y="3521459"/>
+                  </a:lnTo>
+                  <a:lnTo>
+                    <a:pt x="4207156" y="3521459"/>
+                  </a:lnTo>
+                  <a:lnTo>
+                    <a:pt x="4031858" y="3521459"/>
+                  </a:lnTo>
+                  <a:lnTo>
+                    <a:pt x="3856560" y="3521459"/>
+                  </a:lnTo>
+                  <a:lnTo>
+                    <a:pt x="3681262" y="3521459"/>
+                  </a:lnTo>
+                  <a:lnTo>
+                    <a:pt x="3505964" y="3521459"/>
+                  </a:lnTo>
+                  <a:lnTo>
+                    <a:pt x="3330665" y="3521459"/>
+                  </a:lnTo>
+                  <a:lnTo>
+                    <a:pt x="3155367" y="3521459"/>
+                  </a:lnTo>
+                  <a:lnTo>
+                    <a:pt x="2980069" y="3521459"/>
+                  </a:lnTo>
+                  <a:lnTo>
+                    <a:pt x="2804771" y="3521459"/>
+                  </a:lnTo>
+                  <a:lnTo>
+                    <a:pt x="2629473" y="3521459"/>
+                  </a:lnTo>
+                  <a:lnTo>
+                    <a:pt x="2454174" y="3521459"/>
+                  </a:lnTo>
+                  <a:lnTo>
+                    <a:pt x="2278876" y="3521459"/>
+                  </a:lnTo>
+                  <a:lnTo>
+                    <a:pt x="2103578" y="3521459"/>
+                  </a:lnTo>
+                  <a:lnTo>
+                    <a:pt x="1928280" y="3521459"/>
+                  </a:lnTo>
+                  <a:lnTo>
+                    <a:pt x="1752982" y="3521459"/>
+                  </a:lnTo>
+                  <a:lnTo>
+                    <a:pt x="1577683" y="3521459"/>
+                  </a:lnTo>
+                  <a:lnTo>
+                    <a:pt x="1402385" y="3521459"/>
+                  </a:lnTo>
+                  <a:lnTo>
+                    <a:pt x="1227087" y="3521459"/>
+                  </a:lnTo>
+                  <a:lnTo>
+                    <a:pt x="701192" y="3521459"/>
+                  </a:lnTo>
+                  <a:lnTo>
+                    <a:pt x="0" y="3521459"/>
                   </a:lnTo>
                   <a:close/>
                 </a:path>
@@ -4880,81 +4880,81 @@
           </p:nvSpPr>
           <p:spPr>
             <a:xfrm>
-              <a:off x="3482741" y="1966137"/>
-              <a:ext cx="4734143" cy="3521702"/>
+              <a:off x="3483893" y="1966998"/>
+              <a:ext cx="4733051" cy="3518067"/>
             </a:xfrm>
             <a:custGeom>
               <a:avLst/>
               <a:pathLst>
-                <a:path w="4734143" h="3521702">
+                <a:path w="4733051" h="3518067">
                   <a:moveTo>
-                    <a:pt x="0" y="3521702"/>
+                    <a:pt x="0" y="3518067"/>
                   </a:moveTo>
                   <a:lnTo>
-                    <a:pt x="701354" y="3521702"/>
-                  </a:lnTo>
-                  <a:lnTo>
-                    <a:pt x="1227370" y="3521702"/>
-                  </a:lnTo>
-                  <a:lnTo>
-                    <a:pt x="1402709" y="3521702"/>
-                  </a:lnTo>
-                  <a:lnTo>
-                    <a:pt x="1578047" y="3518306"/>
-                  </a:lnTo>
-                  <a:lnTo>
-                    <a:pt x="1753386" y="3494534"/>
-                  </a:lnTo>
-                  <a:lnTo>
-                    <a:pt x="1928725" y="3433405"/>
-                  </a:lnTo>
-                  <a:lnTo>
-                    <a:pt x="2104063" y="3443593"/>
-                  </a:lnTo>
-                  <a:lnTo>
-                    <a:pt x="2279402" y="3440197"/>
-                  </a:lnTo>
-                  <a:lnTo>
-                    <a:pt x="2454740" y="3324731"/>
-                  </a:lnTo>
-                  <a:lnTo>
-                    <a:pt x="2630079" y="3345108"/>
-                  </a:lnTo>
-                  <a:lnTo>
-                    <a:pt x="2805418" y="3253414"/>
-                  </a:lnTo>
-                  <a:lnTo>
-                    <a:pt x="2980756" y="3134553"/>
-                  </a:lnTo>
-                  <a:lnTo>
-                    <a:pt x="3156095" y="3100592"/>
-                  </a:lnTo>
-                  <a:lnTo>
-                    <a:pt x="3331434" y="2890037"/>
-                  </a:lnTo>
-                  <a:lnTo>
-                    <a:pt x="3506772" y="2811928"/>
-                  </a:lnTo>
-                  <a:lnTo>
-                    <a:pt x="3682111" y="2642126"/>
-                  </a:lnTo>
-                  <a:lnTo>
-                    <a:pt x="3857450" y="2414590"/>
-                  </a:lnTo>
-                  <a:lnTo>
-                    <a:pt x="4032788" y="2244788"/>
-                  </a:lnTo>
-                  <a:lnTo>
-                    <a:pt x="4208127" y="1813490"/>
-                  </a:lnTo>
-                  <a:lnTo>
-                    <a:pt x="4383465" y="1467093"/>
-                  </a:lnTo>
-                  <a:lnTo>
-                    <a:pt x="4558804" y="224139"/>
-                  </a:lnTo>
-                  <a:lnTo>
-                    <a:pt x="4734143" y="0"/>
+                    <a:pt x="701192" y="3518067"/>
+                  </a:lnTo>
+                  <a:lnTo>
+                    <a:pt x="1227087" y="3518067"/>
+                  </a:lnTo>
+                  <a:lnTo>
+                    <a:pt x="1402385" y="3518067"/>
+                  </a:lnTo>
+                  <a:lnTo>
+                    <a:pt x="1577683" y="3514674"/>
+                  </a:lnTo>
+                  <a:lnTo>
+                    <a:pt x="1752982" y="3490927"/>
+                  </a:lnTo>
+                  <a:lnTo>
+                    <a:pt x="1928280" y="3429861"/>
+                  </a:lnTo>
+                  <a:lnTo>
+                    <a:pt x="2103578" y="3440038"/>
+                  </a:lnTo>
+                  <a:lnTo>
+                    <a:pt x="2278876" y="3436646"/>
+                  </a:lnTo>
+                  <a:lnTo>
+                    <a:pt x="2454174" y="3321299"/>
+                  </a:lnTo>
+                  <a:lnTo>
+                    <a:pt x="2629473" y="3341655"/>
+                  </a:lnTo>
+                  <a:lnTo>
+                    <a:pt x="2804771" y="3250056"/>
+                  </a:lnTo>
+                  <a:lnTo>
+                    <a:pt x="2980069" y="3131317"/>
+                  </a:lnTo>
+                  <a:lnTo>
+                    <a:pt x="3155367" y="3097392"/>
+                  </a:lnTo>
+                  <a:lnTo>
+                    <a:pt x="3330665" y="2887054"/>
+                  </a:lnTo>
+                  <a:lnTo>
+                    <a:pt x="3505964" y="2809025"/>
+                  </a:lnTo>
+                  <a:lnTo>
+                    <a:pt x="3681262" y="2639398"/>
+                  </a:lnTo>
+                  <a:lnTo>
+                    <a:pt x="3856560" y="2412098"/>
+                  </a:lnTo>
+                  <a:lnTo>
+                    <a:pt x="4031858" y="2242471"/>
+                  </a:lnTo>
+                  <a:lnTo>
+                    <a:pt x="4207156" y="1811618"/>
+                  </a:lnTo>
+                  <a:lnTo>
+                    <a:pt x="4382455" y="1465578"/>
+                  </a:lnTo>
+                  <a:lnTo>
+                    <a:pt x="4557753" y="223907"/>
+                  </a:lnTo>
+                  <a:lnTo>
+                    <a:pt x="4733051" y="0"/>
                   </a:lnTo>
                 </a:path>
               </a:pathLst>
@@ -4974,81 +4974,81 @@
           </p:nvSpPr>
           <p:spPr>
             <a:xfrm>
-              <a:off x="3482741" y="1966137"/>
-              <a:ext cx="4734143" cy="3521702"/>
+              <a:off x="3483893" y="1966998"/>
+              <a:ext cx="4733051" cy="3518067"/>
             </a:xfrm>
             <a:custGeom>
               <a:avLst/>
               <a:pathLst>
-                <a:path w="4734143" h="3521702">
+                <a:path w="4733051" h="3518067">
                   <a:moveTo>
-                    <a:pt x="0" y="3521702"/>
+                    <a:pt x="0" y="3518067"/>
                   </a:moveTo>
                   <a:lnTo>
-                    <a:pt x="701354" y="3521702"/>
-                  </a:lnTo>
-                  <a:lnTo>
-                    <a:pt x="1227370" y="3521702"/>
-                  </a:lnTo>
-                  <a:lnTo>
-                    <a:pt x="1402709" y="3521702"/>
-                  </a:lnTo>
-                  <a:lnTo>
-                    <a:pt x="1578047" y="3518306"/>
-                  </a:lnTo>
-                  <a:lnTo>
-                    <a:pt x="1753386" y="3494534"/>
-                  </a:lnTo>
-                  <a:lnTo>
-                    <a:pt x="1928725" y="3433405"/>
-                  </a:lnTo>
-                  <a:lnTo>
-                    <a:pt x="2104063" y="3443593"/>
-                  </a:lnTo>
-                  <a:lnTo>
-                    <a:pt x="2279402" y="3440197"/>
-                  </a:lnTo>
-                  <a:lnTo>
-                    <a:pt x="2454740" y="3324731"/>
-                  </a:lnTo>
-                  <a:lnTo>
-                    <a:pt x="2630079" y="3345108"/>
-                  </a:lnTo>
-                  <a:lnTo>
-                    <a:pt x="2805418" y="3253414"/>
-                  </a:lnTo>
-                  <a:lnTo>
-                    <a:pt x="2980756" y="3134553"/>
-                  </a:lnTo>
-                  <a:lnTo>
-                    <a:pt x="3156095" y="3100592"/>
-                  </a:lnTo>
-                  <a:lnTo>
-                    <a:pt x="3331434" y="2890037"/>
-                  </a:lnTo>
-                  <a:lnTo>
-                    <a:pt x="3506772" y="2811928"/>
-                  </a:lnTo>
-                  <a:lnTo>
-                    <a:pt x="3682111" y="2642126"/>
-                  </a:lnTo>
-                  <a:lnTo>
-                    <a:pt x="3857450" y="2414590"/>
-                  </a:lnTo>
-                  <a:lnTo>
-                    <a:pt x="4032788" y="2244788"/>
-                  </a:lnTo>
-                  <a:lnTo>
-                    <a:pt x="4208127" y="1813490"/>
-                  </a:lnTo>
-                  <a:lnTo>
-                    <a:pt x="4383465" y="1467093"/>
-                  </a:lnTo>
-                  <a:lnTo>
-                    <a:pt x="4558804" y="224139"/>
-                  </a:lnTo>
-                  <a:lnTo>
-                    <a:pt x="4734143" y="0"/>
+                    <a:pt x="701192" y="3518067"/>
+                  </a:lnTo>
+                  <a:lnTo>
+                    <a:pt x="1227087" y="3518067"/>
+                  </a:lnTo>
+                  <a:lnTo>
+                    <a:pt x="1402385" y="3518067"/>
+                  </a:lnTo>
+                  <a:lnTo>
+                    <a:pt x="1577683" y="3514674"/>
+                  </a:lnTo>
+                  <a:lnTo>
+                    <a:pt x="1752982" y="3490927"/>
+                  </a:lnTo>
+                  <a:lnTo>
+                    <a:pt x="1928280" y="3429861"/>
+                  </a:lnTo>
+                  <a:lnTo>
+                    <a:pt x="2103578" y="3440038"/>
+                  </a:lnTo>
+                  <a:lnTo>
+                    <a:pt x="2278876" y="3436646"/>
+                  </a:lnTo>
+                  <a:lnTo>
+                    <a:pt x="2454174" y="3321299"/>
+                  </a:lnTo>
+                  <a:lnTo>
+                    <a:pt x="2629473" y="3341655"/>
+                  </a:lnTo>
+                  <a:lnTo>
+                    <a:pt x="2804771" y="3250056"/>
+                  </a:lnTo>
+                  <a:lnTo>
+                    <a:pt x="2980069" y="3131317"/>
+                  </a:lnTo>
+                  <a:lnTo>
+                    <a:pt x="3155367" y="3097392"/>
+                  </a:lnTo>
+                  <a:lnTo>
+                    <a:pt x="3330665" y="2887054"/>
+                  </a:lnTo>
+                  <a:lnTo>
+                    <a:pt x="3505964" y="2809025"/>
+                  </a:lnTo>
+                  <a:lnTo>
+                    <a:pt x="3681262" y="2639398"/>
+                  </a:lnTo>
+                  <a:lnTo>
+                    <a:pt x="3856560" y="2412098"/>
+                  </a:lnTo>
+                  <a:lnTo>
+                    <a:pt x="4031858" y="2242471"/>
+                  </a:lnTo>
+                  <a:lnTo>
+                    <a:pt x="4207156" y="1811618"/>
+                  </a:lnTo>
+                  <a:lnTo>
+                    <a:pt x="4382455" y="1465578"/>
+                  </a:lnTo>
+                  <a:lnTo>
+                    <a:pt x="4557753" y="223907"/>
+                  </a:lnTo>
+                  <a:lnTo>
+                    <a:pt x="4733051" y="0"/>
                   </a:lnTo>
                 </a:path>
               </a:pathLst>
@@ -5077,8 +5077,8 @@
           </p:nvSpPr>
           <p:spPr>
             <a:xfrm>
-              <a:off x="2693717" y="1789882"/>
-              <a:ext cx="5786175" cy="3877608"/>
+              <a:off x="2695051" y="1790925"/>
+              <a:ext cx="5784840" cy="3873605"/>
             </a:xfrm>
             <a:prstGeom prst="rect">
               <a:avLst/>
@@ -5107,7 +5107,7 @@
           </p:nvSpPr>
           <p:spPr>
             <a:xfrm>
-              <a:off x="2568931" y="5449544"/>
+              <a:off x="2570265" y="5446766"/>
               <a:ext cx="62155" cy="81691"/>
             </a:xfrm>
             <a:prstGeom prst="rect">
@@ -5153,7 +5153,7 @@
           </p:nvSpPr>
           <p:spPr>
             <a:xfrm>
-              <a:off x="2444620" y="4600532"/>
+              <a:off x="2445954" y="4598630"/>
               <a:ext cx="186466" cy="81691"/>
             </a:xfrm>
             <a:prstGeom prst="rect">
@@ -5199,7 +5199,7 @@
           </p:nvSpPr>
           <p:spPr>
             <a:xfrm>
-              <a:off x="2444620" y="3751520"/>
+              <a:off x="2445954" y="3750494"/>
               <a:ext cx="186466" cy="81691"/>
             </a:xfrm>
             <a:prstGeom prst="rect">
@@ -5245,7 +5245,7 @@
           </p:nvSpPr>
           <p:spPr>
             <a:xfrm>
-              <a:off x="2444620" y="2902508"/>
+              <a:off x="2445954" y="2902358"/>
               <a:ext cx="186466" cy="81691"/>
             </a:xfrm>
             <a:prstGeom prst="rect">
@@ -5291,7 +5291,7 @@
           </p:nvSpPr>
           <p:spPr>
             <a:xfrm>
-              <a:off x="2382464" y="2053495"/>
+              <a:off x="2383799" y="2054223"/>
               <a:ext cx="248622" cy="81691"/>
             </a:xfrm>
             <a:prstGeom prst="rect">
@@ -5337,7 +5337,7 @@
           </p:nvSpPr>
           <p:spPr>
             <a:xfrm>
-              <a:off x="2658922" y="5491236"/>
+              <a:off x="2660257" y="5488458"/>
               <a:ext cx="34794" cy="0"/>
             </a:xfrm>
             <a:custGeom>
@@ -5377,7 +5377,7 @@
           </p:nvSpPr>
           <p:spPr>
             <a:xfrm>
-              <a:off x="2658922" y="4642224"/>
+              <a:off x="2660257" y="4640322"/>
               <a:ext cx="34794" cy="0"/>
             </a:xfrm>
             <a:custGeom>
@@ -5417,7 +5417,7 @@
           </p:nvSpPr>
           <p:spPr>
             <a:xfrm>
-              <a:off x="2658922" y="3793212"/>
+              <a:off x="2660257" y="3792186"/>
               <a:ext cx="34794" cy="0"/>
             </a:xfrm>
             <a:custGeom>
@@ -5457,7 +5457,7 @@
           </p:nvSpPr>
           <p:spPr>
             <a:xfrm>
-              <a:off x="2658922" y="2944199"/>
+              <a:off x="2660257" y="2944050"/>
               <a:ext cx="34794" cy="0"/>
             </a:xfrm>
             <a:custGeom>
@@ -5497,7 +5497,7 @@
           </p:nvSpPr>
           <p:spPr>
             <a:xfrm>
-              <a:off x="2658922" y="2095187"/>
+              <a:off x="2660257" y="2095914"/>
               <a:ext cx="34794" cy="0"/>
             </a:xfrm>
             <a:custGeom>
@@ -5537,7 +5537,7 @@
           </p:nvSpPr>
           <p:spPr>
             <a:xfrm>
-              <a:off x="2956725" y="5667491"/>
+              <a:off x="2957998" y="5664531"/>
               <a:ext cx="0" cy="34794"/>
             </a:xfrm>
             <a:custGeom>
@@ -5577,7 +5577,7 @@
           </p:nvSpPr>
           <p:spPr>
             <a:xfrm>
-              <a:off x="4710111" y="5667491"/>
+              <a:off x="4710981" y="5664531"/>
               <a:ext cx="0" cy="34794"/>
             </a:xfrm>
             <a:custGeom>
@@ -5617,7 +5617,7 @@
           </p:nvSpPr>
           <p:spPr>
             <a:xfrm>
-              <a:off x="6463498" y="5667491"/>
+              <a:off x="6463963" y="5664531"/>
               <a:ext cx="0" cy="34794"/>
             </a:xfrm>
             <a:custGeom>
@@ -5657,7 +5657,7 @@
           </p:nvSpPr>
           <p:spPr>
             <a:xfrm>
-              <a:off x="8216884" y="5667491"/>
+              <a:off x="8216945" y="5664531"/>
               <a:ext cx="0" cy="34794"/>
             </a:xfrm>
             <a:custGeom>
@@ -5697,7 +5697,7 @@
           </p:nvSpPr>
           <p:spPr>
             <a:xfrm>
-              <a:off x="2832414" y="5728430"/>
+              <a:off x="2833687" y="5725469"/>
               <a:ext cx="248622" cy="81691"/>
             </a:xfrm>
             <a:prstGeom prst="rect">
@@ -5743,7 +5743,7 @@
           </p:nvSpPr>
           <p:spPr>
             <a:xfrm>
-              <a:off x="4585800" y="5728430"/>
+              <a:off x="4586669" y="5725469"/>
               <a:ext cx="248622" cy="81691"/>
             </a:xfrm>
             <a:prstGeom prst="rect">
@@ -5789,7 +5789,7 @@
           </p:nvSpPr>
           <p:spPr>
             <a:xfrm>
-              <a:off x="6339186" y="5728430"/>
+              <a:off x="6339651" y="5725469"/>
               <a:ext cx="248622" cy="81691"/>
             </a:xfrm>
             <a:prstGeom prst="rect">
@@ -5835,7 +5835,7 @@
           </p:nvSpPr>
           <p:spPr>
             <a:xfrm>
-              <a:off x="8092573" y="5728430"/>
+              <a:off x="8092633" y="5725469"/>
               <a:ext cx="248622" cy="81691"/>
             </a:xfrm>
             <a:prstGeom prst="rect">
@@ -5881,7 +5881,7 @@
           </p:nvSpPr>
           <p:spPr>
             <a:xfrm rot="-5400000">
-              <a:off x="2042281" y="3677868"/>
+              <a:off x="2042281" y="3676909"/>
               <a:ext cx="450341" cy="101637"/>
             </a:xfrm>
             <a:prstGeom prst="rect">
@@ -5927,7 +5927,7 @@
           </p:nvSpPr>
           <p:spPr>
             <a:xfrm>
-              <a:off x="2693717" y="1563049"/>
+              <a:off x="2695051" y="1563049"/>
               <a:ext cx="1304612" cy="121964"/>
             </a:xfrm>
             <a:prstGeom prst="rect">

--- a/_book/plot/china-growth-by-year-1.pptx
+++ b/_book/plot/china-growth-by-year-1.pptx
@@ -3108,10 +3108,10 @@
         </p:nvGrpSpPr>
         <p:grpSpPr>
           <a:xfrm>
-            <a:off x="2148682" y="1495425"/>
-            <a:ext cx="6400800" cy="4572000"/>
-            <a:chOff x="2148682" y="1495425"/>
-            <a:chExt cx="6400800" cy="4572000"/>
+            <a:off x="1691482" y="1521028"/>
+            <a:ext cx="7315200" cy="4520794"/>
+            <a:chOff x="1691482" y="1521028"/>
+            <a:chExt cx="7315200" cy="4520794"/>
           </a:xfrm>
         </p:grpSpPr>
         <p:sp>
@@ -3122,8 +3122,8 @@
           </p:nvSpPr>
           <p:spPr>
             <a:xfrm>
-              <a:off x="2148681" y="1495425"/>
-              <a:ext cx="6400799" cy="4571999"/>
+              <a:off x="1691481" y="1521028"/>
+              <a:ext cx="7315199" cy="4520793"/>
             </a:xfrm>
             <a:prstGeom prst="rect">
               <a:avLst/>
@@ -3157,8 +3157,8 @@
           </p:nvSpPr>
           <p:spPr>
             <a:xfrm>
-              <a:off x="2148681" y="1495425"/>
-              <a:ext cx="6400799" cy="4571999"/>
+              <a:off x="1691481" y="1521028"/>
+              <a:ext cx="7315199" cy="4520793"/>
             </a:xfrm>
             <a:prstGeom prst="rect">
               <a:avLst/>
@@ -3192,8 +3192,8 @@
           </p:nvSpPr>
           <p:spPr>
             <a:xfrm>
-              <a:off x="2695051" y="1790925"/>
-              <a:ext cx="5784840" cy="3873605"/>
+              <a:off x="2237851" y="1816528"/>
+              <a:ext cx="6699240" cy="3822399"/>
             </a:xfrm>
             <a:prstGeom prst="rect">
               <a:avLst/>
@@ -3218,21 +3218,21 @@
           </p:nvSpPr>
           <p:spPr>
             <a:xfrm>
-              <a:off x="2695051" y="5064390"/>
-              <a:ext cx="5784840" cy="0"/>
+              <a:off x="2237851" y="5046720"/>
+              <a:ext cx="6699240" cy="0"/>
             </a:xfrm>
             <a:custGeom>
               <a:avLst/>
               <a:pathLst>
-                <a:path w="5784840" h="0">
+                <a:path w="6699240" h="0">
                   <a:moveTo>
                     <a:pt x="0" y="0"/>
                   </a:moveTo>
                   <a:lnTo>
-                    <a:pt x="5784840" y="0"/>
-                  </a:lnTo>
-                  <a:lnTo>
-                    <a:pt x="5784840" y="0"/>
+                    <a:pt x="6699240" y="0"/>
+                  </a:lnTo>
+                  <a:lnTo>
+                    <a:pt x="6699240" y="0"/>
                   </a:lnTo>
                 </a:path>
               </a:pathLst>
@@ -3261,21 +3261,21 @@
           </p:nvSpPr>
           <p:spPr>
             <a:xfrm>
-              <a:off x="2695051" y="4216254"/>
-              <a:ext cx="5784840" cy="0"/>
+              <a:off x="2237851" y="4209796"/>
+              <a:ext cx="6699240" cy="0"/>
             </a:xfrm>
             <a:custGeom>
               <a:avLst/>
               <a:pathLst>
-                <a:path w="5784840" h="0">
+                <a:path w="6699240" h="0">
                   <a:moveTo>
                     <a:pt x="0" y="0"/>
                   </a:moveTo>
                   <a:lnTo>
-                    <a:pt x="5784840" y="0"/>
-                  </a:lnTo>
-                  <a:lnTo>
-                    <a:pt x="5784840" y="0"/>
+                    <a:pt x="6699240" y="0"/>
+                  </a:lnTo>
+                  <a:lnTo>
+                    <a:pt x="6699240" y="0"/>
                   </a:lnTo>
                 </a:path>
               </a:pathLst>
@@ -3304,21 +3304,21 @@
           </p:nvSpPr>
           <p:spPr>
             <a:xfrm>
-              <a:off x="2695051" y="3368118"/>
-              <a:ext cx="5784840" cy="0"/>
+              <a:off x="2237851" y="3372872"/>
+              <a:ext cx="6699240" cy="0"/>
             </a:xfrm>
             <a:custGeom>
               <a:avLst/>
               <a:pathLst>
-                <a:path w="5784840" h="0">
+                <a:path w="6699240" h="0">
                   <a:moveTo>
                     <a:pt x="0" y="0"/>
                   </a:moveTo>
                   <a:lnTo>
-                    <a:pt x="5784840" y="0"/>
-                  </a:lnTo>
-                  <a:lnTo>
-                    <a:pt x="5784840" y="0"/>
+                    <a:pt x="6699240" y="0"/>
+                  </a:lnTo>
+                  <a:lnTo>
+                    <a:pt x="6699240" y="0"/>
                   </a:lnTo>
                 </a:path>
               </a:pathLst>
@@ -3347,21 +3347,21 @@
           </p:nvSpPr>
           <p:spPr>
             <a:xfrm>
-              <a:off x="2695051" y="2519982"/>
-              <a:ext cx="5784840" cy="0"/>
+              <a:off x="2237851" y="2535948"/>
+              <a:ext cx="6699240" cy="0"/>
             </a:xfrm>
             <a:custGeom>
               <a:avLst/>
               <a:pathLst>
-                <a:path w="5784840" h="0">
+                <a:path w="6699240" h="0">
                   <a:moveTo>
                     <a:pt x="0" y="0"/>
                   </a:moveTo>
                   <a:lnTo>
-                    <a:pt x="5784840" y="0"/>
-                  </a:lnTo>
-                  <a:lnTo>
-                    <a:pt x="5784840" y="0"/>
+                    <a:pt x="6699240" y="0"/>
+                  </a:lnTo>
+                  <a:lnTo>
+                    <a:pt x="6699240" y="0"/>
                   </a:lnTo>
                 </a:path>
               </a:pathLst>
@@ -3390,15 +3390,15 @@
           </p:nvSpPr>
           <p:spPr>
             <a:xfrm>
-              <a:off x="3834489" y="1790925"/>
-              <a:ext cx="0" cy="3873605"/>
+              <a:off x="3557399" y="1816528"/>
+              <a:ext cx="0" cy="3822399"/>
             </a:xfrm>
             <a:custGeom>
               <a:avLst/>
               <a:pathLst>
-                <a:path w="0" h="3873605">
+                <a:path w="0" h="3822399">
                   <a:moveTo>
-                    <a:pt x="0" y="3873605"/>
+                    <a:pt x="0" y="3822399"/>
                   </a:moveTo>
                   <a:lnTo>
                     <a:pt x="0" y="0"/>
@@ -3433,15 +3433,15 @@
           </p:nvSpPr>
           <p:spPr>
             <a:xfrm>
-              <a:off x="5587472" y="1790925"/>
-              <a:ext cx="0" cy="3873605"/>
+              <a:off x="5587472" y="1816528"/>
+              <a:ext cx="0" cy="3822399"/>
             </a:xfrm>
             <a:custGeom>
               <a:avLst/>
               <a:pathLst>
-                <a:path w="0" h="3873605">
+                <a:path w="0" h="3822399">
                   <a:moveTo>
-                    <a:pt x="0" y="3873605"/>
+                    <a:pt x="0" y="3822399"/>
                   </a:moveTo>
                   <a:lnTo>
                     <a:pt x="0" y="0"/>
@@ -3476,15 +3476,15 @@
           </p:nvSpPr>
           <p:spPr>
             <a:xfrm>
-              <a:off x="7340454" y="1790925"/>
-              <a:ext cx="0" cy="3873605"/>
+              <a:off x="7617545" y="1816528"/>
+              <a:ext cx="0" cy="3822399"/>
             </a:xfrm>
             <a:custGeom>
               <a:avLst/>
               <a:pathLst>
-                <a:path w="0" h="3873605">
+                <a:path w="0" h="3822399">
                   <a:moveTo>
-                    <a:pt x="0" y="3873605"/>
+                    <a:pt x="0" y="3822399"/>
                   </a:moveTo>
                   <a:lnTo>
                     <a:pt x="0" y="0"/>
@@ -3519,21 +3519,21 @@
           </p:nvSpPr>
           <p:spPr>
             <a:xfrm>
-              <a:off x="2695051" y="5488458"/>
-              <a:ext cx="5784840" cy="0"/>
+              <a:off x="2237851" y="5465182"/>
+              <a:ext cx="6699240" cy="0"/>
             </a:xfrm>
             <a:custGeom>
               <a:avLst/>
               <a:pathLst>
-                <a:path w="5784840" h="0">
+                <a:path w="6699240" h="0">
                   <a:moveTo>
                     <a:pt x="0" y="0"/>
                   </a:moveTo>
                   <a:lnTo>
-                    <a:pt x="5784840" y="0"/>
-                  </a:lnTo>
-                  <a:lnTo>
-                    <a:pt x="5784840" y="0"/>
+                    <a:pt x="6699240" y="0"/>
+                  </a:lnTo>
+                  <a:lnTo>
+                    <a:pt x="6699240" y="0"/>
                   </a:lnTo>
                 </a:path>
               </a:pathLst>
@@ -3562,21 +3562,21 @@
           </p:nvSpPr>
           <p:spPr>
             <a:xfrm>
-              <a:off x="2695051" y="4640322"/>
-              <a:ext cx="5784840" cy="0"/>
+              <a:off x="2237851" y="4628258"/>
+              <a:ext cx="6699240" cy="0"/>
             </a:xfrm>
             <a:custGeom>
               <a:avLst/>
               <a:pathLst>
-                <a:path w="5784840" h="0">
+                <a:path w="6699240" h="0">
                   <a:moveTo>
                     <a:pt x="0" y="0"/>
                   </a:moveTo>
                   <a:lnTo>
-                    <a:pt x="5784840" y="0"/>
-                  </a:lnTo>
-                  <a:lnTo>
-                    <a:pt x="5784840" y="0"/>
+                    <a:pt x="6699240" y="0"/>
+                  </a:lnTo>
+                  <a:lnTo>
+                    <a:pt x="6699240" y="0"/>
                   </a:lnTo>
                 </a:path>
               </a:pathLst>
@@ -3605,21 +3605,21 @@
           </p:nvSpPr>
           <p:spPr>
             <a:xfrm>
-              <a:off x="2695051" y="3792186"/>
-              <a:ext cx="5784840" cy="0"/>
+              <a:off x="2237851" y="3791334"/>
+              <a:ext cx="6699240" cy="0"/>
             </a:xfrm>
             <a:custGeom>
               <a:avLst/>
               <a:pathLst>
-                <a:path w="5784840" h="0">
+                <a:path w="6699240" h="0">
                   <a:moveTo>
                     <a:pt x="0" y="0"/>
                   </a:moveTo>
                   <a:lnTo>
-                    <a:pt x="5784840" y="0"/>
-                  </a:lnTo>
-                  <a:lnTo>
-                    <a:pt x="5784840" y="0"/>
+                    <a:pt x="6699240" y="0"/>
+                  </a:lnTo>
+                  <a:lnTo>
+                    <a:pt x="6699240" y="0"/>
                   </a:lnTo>
                 </a:path>
               </a:pathLst>
@@ -3648,21 +3648,21 @@
           </p:nvSpPr>
           <p:spPr>
             <a:xfrm>
-              <a:off x="2695051" y="2944050"/>
-              <a:ext cx="5784840" cy="0"/>
+              <a:off x="2237851" y="2954410"/>
+              <a:ext cx="6699240" cy="0"/>
             </a:xfrm>
             <a:custGeom>
               <a:avLst/>
               <a:pathLst>
-                <a:path w="5784840" h="0">
+                <a:path w="6699240" h="0">
                   <a:moveTo>
                     <a:pt x="0" y="0"/>
                   </a:moveTo>
                   <a:lnTo>
-                    <a:pt x="5784840" y="0"/>
-                  </a:lnTo>
-                  <a:lnTo>
-                    <a:pt x="5784840" y="0"/>
+                    <a:pt x="6699240" y="0"/>
+                  </a:lnTo>
+                  <a:lnTo>
+                    <a:pt x="6699240" y="0"/>
                   </a:lnTo>
                 </a:path>
               </a:pathLst>
@@ -3691,21 +3691,21 @@
           </p:nvSpPr>
           <p:spPr>
             <a:xfrm>
-              <a:off x="2695051" y="2095914"/>
-              <a:ext cx="5784840" cy="0"/>
+              <a:off x="2237851" y="2117486"/>
+              <a:ext cx="6699240" cy="0"/>
             </a:xfrm>
             <a:custGeom>
               <a:avLst/>
               <a:pathLst>
-                <a:path w="5784840" h="0">
+                <a:path w="6699240" h="0">
                   <a:moveTo>
                     <a:pt x="0" y="0"/>
                   </a:moveTo>
                   <a:lnTo>
-                    <a:pt x="5784840" y="0"/>
-                  </a:lnTo>
-                  <a:lnTo>
-                    <a:pt x="5784840" y="0"/>
+                    <a:pt x="6699240" y="0"/>
+                  </a:lnTo>
+                  <a:lnTo>
+                    <a:pt x="6699240" y="0"/>
                   </a:lnTo>
                 </a:path>
               </a:pathLst>
@@ -3734,15 +3734,15 @@
           </p:nvSpPr>
           <p:spPr>
             <a:xfrm>
-              <a:off x="2957998" y="1790925"/>
-              <a:ext cx="0" cy="3873605"/>
+              <a:off x="2542362" y="1816528"/>
+              <a:ext cx="0" cy="3822399"/>
             </a:xfrm>
             <a:custGeom>
               <a:avLst/>
               <a:pathLst>
-                <a:path w="0" h="3873605">
+                <a:path w="0" h="3822399">
                   <a:moveTo>
-                    <a:pt x="0" y="3873605"/>
+                    <a:pt x="0" y="3822399"/>
                   </a:moveTo>
                   <a:lnTo>
                     <a:pt x="0" y="0"/>
@@ -3777,15 +3777,15 @@
           </p:nvSpPr>
           <p:spPr>
             <a:xfrm>
-              <a:off x="4710981" y="1790925"/>
-              <a:ext cx="0" cy="3873605"/>
+              <a:off x="4572435" y="1816528"/>
+              <a:ext cx="0" cy="3822399"/>
             </a:xfrm>
             <a:custGeom>
               <a:avLst/>
               <a:pathLst>
-                <a:path w="0" h="3873605">
+                <a:path w="0" h="3822399">
                   <a:moveTo>
-                    <a:pt x="0" y="3873605"/>
+                    <a:pt x="0" y="3822399"/>
                   </a:moveTo>
                   <a:lnTo>
                     <a:pt x="0" y="0"/>
@@ -3820,15 +3820,15 @@
           </p:nvSpPr>
           <p:spPr>
             <a:xfrm>
-              <a:off x="6463963" y="1790925"/>
-              <a:ext cx="0" cy="3873605"/>
+              <a:off x="6602508" y="1816528"/>
+              <a:ext cx="0" cy="3822399"/>
             </a:xfrm>
             <a:custGeom>
               <a:avLst/>
               <a:pathLst>
-                <a:path w="0" h="3873605">
+                <a:path w="0" h="3822399">
                   <a:moveTo>
-                    <a:pt x="0" y="3873605"/>
+                    <a:pt x="0" y="3822399"/>
                   </a:moveTo>
                   <a:lnTo>
                     <a:pt x="0" y="0"/>
@@ -3863,15 +3863,15 @@
           </p:nvSpPr>
           <p:spPr>
             <a:xfrm>
-              <a:off x="8216945" y="1790925"/>
-              <a:ext cx="0" cy="3873605"/>
+              <a:off x="8632581" y="1816528"/>
+              <a:ext cx="0" cy="3822399"/>
             </a:xfrm>
             <a:custGeom>
               <a:avLst/>
               <a:pathLst>
-                <a:path w="0" h="3873605">
+                <a:path w="0" h="3822399">
                   <a:moveTo>
-                    <a:pt x="0" y="3873605"/>
+                    <a:pt x="0" y="3822399"/>
                   </a:moveTo>
                   <a:lnTo>
                     <a:pt x="0" y="0"/>
@@ -3906,7 +3906,7 @@
           </p:nvSpPr>
           <p:spPr>
             <a:xfrm>
-              <a:off x="8171793" y="1921846"/>
+              <a:off x="8587429" y="1945121"/>
               <a:ext cx="90303" cy="90303"/>
             </a:xfrm>
             <a:prstGeom prst="ellipse">
@@ -3941,7 +3941,7 @@
           </p:nvSpPr>
           <p:spPr>
             <a:xfrm>
-              <a:off x="7996495" y="2145754"/>
+              <a:off x="8384422" y="2166069"/>
               <a:ext cx="90303" cy="90303"/>
             </a:xfrm>
             <a:prstGeom prst="ellipse">
@@ -3976,7 +3976,7 @@
           </p:nvSpPr>
           <p:spPr>
             <a:xfrm>
-              <a:off x="7821196" y="3387425"/>
+              <a:off x="8181415" y="3391326"/>
               <a:ext cx="90303" cy="90303"/>
             </a:xfrm>
             <a:prstGeom prst="ellipse">
@@ -4011,7 +4011,7 @@
           </p:nvSpPr>
           <p:spPr>
             <a:xfrm>
-              <a:off x="7645898" y="3733464"/>
+              <a:off x="7978407" y="3732791"/>
               <a:ext cx="90303" cy="90303"/>
             </a:xfrm>
             <a:prstGeom prst="ellipse">
@@ -4046,7 +4046,7 @@
           </p:nvSpPr>
           <p:spPr>
             <a:xfrm>
-              <a:off x="7470600" y="4164317"/>
+              <a:off x="7775400" y="4157949"/>
               <a:ext cx="90303" cy="90303"/>
             </a:xfrm>
             <a:prstGeom prst="ellipse">
@@ -4081,7 +4081,7 @@
           </p:nvSpPr>
           <p:spPr>
             <a:xfrm>
-              <a:off x="7295302" y="4333944"/>
+              <a:off x="7572393" y="4325333"/>
               <a:ext cx="90303" cy="90303"/>
             </a:xfrm>
             <a:prstGeom prst="ellipse">
@@ -4116,7 +4116,7 @@
           </p:nvSpPr>
           <p:spPr>
             <a:xfrm>
-              <a:off x="7120004" y="4561244"/>
+              <a:off x="7369385" y="4549629"/>
               <a:ext cx="90303" cy="90303"/>
             </a:xfrm>
             <a:prstGeom prst="ellipse">
@@ -4151,7 +4151,7 @@
           </p:nvSpPr>
           <p:spPr>
             <a:xfrm>
-              <a:off x="6944705" y="4730872"/>
+              <a:off x="7166378" y="4717014"/>
               <a:ext cx="90303" cy="90303"/>
             </a:xfrm>
             <a:prstGeom prst="ellipse">
@@ -4186,7 +4186,7 @@
           </p:nvSpPr>
           <p:spPr>
             <a:xfrm>
-              <a:off x="6769407" y="4808900"/>
+              <a:off x="6963371" y="4794011"/>
               <a:ext cx="90303" cy="90303"/>
             </a:xfrm>
             <a:prstGeom prst="ellipse">
@@ -4221,7 +4221,7 @@
           </p:nvSpPr>
           <p:spPr>
             <a:xfrm>
-              <a:off x="6594109" y="5019238"/>
+              <a:off x="6760363" y="5001568"/>
               <a:ext cx="90303" cy="90303"/>
             </a:xfrm>
             <a:prstGeom prst="ellipse">
@@ -4256,7 +4256,7 @@
           </p:nvSpPr>
           <p:spPr>
             <a:xfrm>
-              <a:off x="6418811" y="5053163"/>
+              <a:off x="6557356" y="5035045"/>
               <a:ext cx="90303" cy="90303"/>
             </a:xfrm>
             <a:prstGeom prst="ellipse">
@@ -4291,7 +4291,7 @@
           </p:nvSpPr>
           <p:spPr>
             <a:xfrm>
-              <a:off x="6243513" y="5171902"/>
+              <a:off x="6354349" y="5152214"/>
               <a:ext cx="90303" cy="90303"/>
             </a:xfrm>
             <a:prstGeom prst="ellipse">
@@ -4326,7 +4326,7 @@
           </p:nvSpPr>
           <p:spPr>
             <a:xfrm>
-              <a:off x="6068214" y="5263501"/>
+              <a:off x="6151342" y="5242602"/>
               <a:ext cx="90303" cy="90303"/>
             </a:xfrm>
             <a:prstGeom prst="ellipse">
@@ -4361,7 +4361,7 @@
           </p:nvSpPr>
           <p:spPr>
             <a:xfrm>
-              <a:off x="5892916" y="5243146"/>
+              <a:off x="5948334" y="5222516"/>
               <a:ext cx="90303" cy="90303"/>
             </a:xfrm>
             <a:prstGeom prst="ellipse">
@@ -4396,7 +4396,7 @@
           </p:nvSpPr>
           <p:spPr>
             <a:xfrm>
-              <a:off x="5717618" y="5358492"/>
+              <a:off x="5745327" y="5336338"/>
               <a:ext cx="90303" cy="90303"/>
             </a:xfrm>
             <a:prstGeom prst="ellipse">
@@ -4431,7 +4431,7 @@
           </p:nvSpPr>
           <p:spPr>
             <a:xfrm>
-              <a:off x="5542320" y="5361885"/>
+              <a:off x="5542320" y="5339685"/>
               <a:ext cx="90303" cy="90303"/>
             </a:xfrm>
             <a:prstGeom prst="ellipse">
@@ -4466,7 +4466,7 @@
           </p:nvSpPr>
           <p:spPr>
             <a:xfrm>
-              <a:off x="5367021" y="5351707"/>
+              <a:off x="5339312" y="5329642"/>
               <a:ext cx="90303" cy="90303"/>
             </a:xfrm>
             <a:prstGeom prst="ellipse">
@@ -4501,7 +4501,7 @@
           </p:nvSpPr>
           <p:spPr>
             <a:xfrm>
-              <a:off x="5191723" y="5412773"/>
+              <a:off x="5136305" y="5389901"/>
               <a:ext cx="90303" cy="90303"/>
             </a:xfrm>
             <a:prstGeom prst="ellipse">
@@ -4536,7 +4536,7 @@
           </p:nvSpPr>
           <p:spPr>
             <a:xfrm>
-              <a:off x="5016425" y="5436521"/>
+              <a:off x="4933298" y="5413335"/>
               <a:ext cx="90303" cy="90303"/>
             </a:xfrm>
             <a:prstGeom prst="ellipse">
@@ -4571,7 +4571,7 @@
           </p:nvSpPr>
           <p:spPr>
             <a:xfrm>
-              <a:off x="4841127" y="5439913"/>
+              <a:off x="4730290" y="5416682"/>
               <a:ext cx="90303" cy="90303"/>
             </a:xfrm>
             <a:prstGeom prst="ellipse">
@@ -4606,7 +4606,7 @@
           </p:nvSpPr>
           <p:spPr>
             <a:xfrm>
-              <a:off x="4665829" y="5439913"/>
+              <a:off x="4527283" y="5416682"/>
               <a:ext cx="90303" cy="90303"/>
             </a:xfrm>
             <a:prstGeom prst="ellipse">
@@ -4641,7 +4641,7 @@
           </p:nvSpPr>
           <p:spPr>
             <a:xfrm>
-              <a:off x="4139934" y="5439913"/>
+              <a:off x="3918261" y="5416682"/>
               <a:ext cx="90303" cy="90303"/>
             </a:xfrm>
             <a:prstGeom prst="ellipse">
@@ -4676,7 +4676,7 @@
           </p:nvSpPr>
           <p:spPr>
             <a:xfrm>
-              <a:off x="3438741" y="5439913"/>
+              <a:off x="3106232" y="5416682"/>
               <a:ext cx="90303" cy="90303"/>
             </a:xfrm>
             <a:prstGeom prst="ellipse">
@@ -4711,150 +4711,150 @@
           </p:nvSpPr>
           <p:spPr>
             <a:xfrm>
-              <a:off x="3483893" y="1966998"/>
-              <a:ext cx="4733051" cy="3521459"/>
+              <a:off x="3151384" y="1990273"/>
+              <a:ext cx="5481197" cy="3474908"/>
             </a:xfrm>
             <a:custGeom>
               <a:avLst/>
               <a:pathLst>
-                <a:path w="4733051" h="3521459">
+                <a:path w="5481197" h="3474908">
                   <a:moveTo>
-                    <a:pt x="0" y="3518067"/>
+                    <a:pt x="0" y="3471560"/>
                   </a:moveTo>
                   <a:lnTo>
-                    <a:pt x="701192" y="3518067"/>
-                  </a:lnTo>
-                  <a:lnTo>
-                    <a:pt x="1227087" y="3518067"/>
-                  </a:lnTo>
-                  <a:lnTo>
-                    <a:pt x="1402385" y="3518067"/>
-                  </a:lnTo>
-                  <a:lnTo>
-                    <a:pt x="1577683" y="3514674"/>
-                  </a:lnTo>
-                  <a:lnTo>
-                    <a:pt x="1752982" y="3490927"/>
-                  </a:lnTo>
-                  <a:lnTo>
-                    <a:pt x="1928280" y="3429861"/>
-                  </a:lnTo>
-                  <a:lnTo>
-                    <a:pt x="2103578" y="3440038"/>
-                  </a:lnTo>
-                  <a:lnTo>
-                    <a:pt x="2278876" y="3436646"/>
-                  </a:lnTo>
-                  <a:lnTo>
-                    <a:pt x="2454174" y="3321299"/>
-                  </a:lnTo>
-                  <a:lnTo>
-                    <a:pt x="2629473" y="3341655"/>
-                  </a:lnTo>
-                  <a:lnTo>
-                    <a:pt x="2804771" y="3250056"/>
-                  </a:lnTo>
-                  <a:lnTo>
-                    <a:pt x="2980069" y="3131317"/>
-                  </a:lnTo>
-                  <a:lnTo>
-                    <a:pt x="3155367" y="3097392"/>
-                  </a:lnTo>
-                  <a:lnTo>
-                    <a:pt x="3330665" y="2887054"/>
-                  </a:lnTo>
-                  <a:lnTo>
-                    <a:pt x="3505964" y="2809025"/>
-                  </a:lnTo>
-                  <a:lnTo>
-                    <a:pt x="3681262" y="2639398"/>
-                  </a:lnTo>
-                  <a:lnTo>
-                    <a:pt x="3856560" y="2412098"/>
-                  </a:lnTo>
-                  <a:lnTo>
-                    <a:pt x="4031858" y="2242471"/>
-                  </a:lnTo>
-                  <a:lnTo>
-                    <a:pt x="4207156" y="1811618"/>
-                  </a:lnTo>
-                  <a:lnTo>
-                    <a:pt x="4382455" y="1465578"/>
-                  </a:lnTo>
-                  <a:lnTo>
-                    <a:pt x="4557753" y="223907"/>
-                  </a:lnTo>
-                  <a:lnTo>
-                    <a:pt x="4733051" y="0"/>
-                  </a:lnTo>
-                  <a:lnTo>
-                    <a:pt x="4733051" y="3521459"/>
-                  </a:lnTo>
-                  <a:lnTo>
-                    <a:pt x="4557753" y="3521459"/>
-                  </a:lnTo>
-                  <a:lnTo>
-                    <a:pt x="4382455" y="3521459"/>
-                  </a:lnTo>
-                  <a:lnTo>
-                    <a:pt x="4207156" y="3521459"/>
-                  </a:lnTo>
-                  <a:lnTo>
-                    <a:pt x="4031858" y="3521459"/>
-                  </a:lnTo>
-                  <a:lnTo>
-                    <a:pt x="3856560" y="3521459"/>
-                  </a:lnTo>
-                  <a:lnTo>
-                    <a:pt x="3681262" y="3521459"/>
-                  </a:lnTo>
-                  <a:lnTo>
-                    <a:pt x="3505964" y="3521459"/>
-                  </a:lnTo>
-                  <a:lnTo>
-                    <a:pt x="3330665" y="3521459"/>
-                  </a:lnTo>
-                  <a:lnTo>
-                    <a:pt x="3155367" y="3521459"/>
-                  </a:lnTo>
-                  <a:lnTo>
-                    <a:pt x="2980069" y="3521459"/>
-                  </a:lnTo>
-                  <a:lnTo>
-                    <a:pt x="2804771" y="3521459"/>
-                  </a:lnTo>
-                  <a:lnTo>
-                    <a:pt x="2629473" y="3521459"/>
-                  </a:lnTo>
-                  <a:lnTo>
-                    <a:pt x="2454174" y="3521459"/>
-                  </a:lnTo>
-                  <a:lnTo>
-                    <a:pt x="2278876" y="3521459"/>
-                  </a:lnTo>
-                  <a:lnTo>
-                    <a:pt x="2103578" y="3521459"/>
-                  </a:lnTo>
-                  <a:lnTo>
-                    <a:pt x="1928280" y="3521459"/>
-                  </a:lnTo>
-                  <a:lnTo>
-                    <a:pt x="1752982" y="3521459"/>
-                  </a:lnTo>
-                  <a:lnTo>
-                    <a:pt x="1577683" y="3521459"/>
-                  </a:lnTo>
-                  <a:lnTo>
-                    <a:pt x="1402385" y="3521459"/>
-                  </a:lnTo>
-                  <a:lnTo>
-                    <a:pt x="1227087" y="3521459"/>
-                  </a:lnTo>
-                  <a:lnTo>
-                    <a:pt x="701192" y="3521459"/>
-                  </a:lnTo>
-                  <a:lnTo>
-                    <a:pt x="0" y="3521459"/>
+                    <a:pt x="812029" y="3471560"/>
+                  </a:lnTo>
+                  <a:lnTo>
+                    <a:pt x="1421051" y="3471560"/>
+                  </a:lnTo>
+                  <a:lnTo>
+                    <a:pt x="1624058" y="3471560"/>
+                  </a:lnTo>
+                  <a:lnTo>
+                    <a:pt x="1827065" y="3468213"/>
+                  </a:lnTo>
+                  <a:lnTo>
+                    <a:pt x="2030072" y="3444779"/>
+                  </a:lnTo>
+                  <a:lnTo>
+                    <a:pt x="2233080" y="3384520"/>
+                  </a:lnTo>
+                  <a:lnTo>
+                    <a:pt x="2436087" y="3394563"/>
+                  </a:lnTo>
+                  <a:lnTo>
+                    <a:pt x="2639094" y="3391216"/>
+                  </a:lnTo>
+                  <a:lnTo>
+                    <a:pt x="2842102" y="3277394"/>
+                  </a:lnTo>
+                  <a:lnTo>
+                    <a:pt x="3045109" y="3297480"/>
+                  </a:lnTo>
+                  <a:lnTo>
+                    <a:pt x="3248116" y="3207092"/>
+                  </a:lnTo>
+                  <a:lnTo>
+                    <a:pt x="3451124" y="3089923"/>
+                  </a:lnTo>
+                  <a:lnTo>
+                    <a:pt x="3654131" y="3056446"/>
+                  </a:lnTo>
+                  <a:lnTo>
+                    <a:pt x="3857138" y="2848889"/>
+                  </a:lnTo>
+                  <a:lnTo>
+                    <a:pt x="4060145" y="2771892"/>
+                  </a:lnTo>
+                  <a:lnTo>
+                    <a:pt x="4263153" y="2604507"/>
+                  </a:lnTo>
+                  <a:lnTo>
+                    <a:pt x="4466160" y="2380212"/>
+                  </a:lnTo>
+                  <a:lnTo>
+                    <a:pt x="4669167" y="2212827"/>
+                  </a:lnTo>
+                  <a:lnTo>
+                    <a:pt x="4872175" y="1787669"/>
+                  </a:lnTo>
+                  <a:lnTo>
+                    <a:pt x="5075182" y="1446204"/>
+                  </a:lnTo>
+                  <a:lnTo>
+                    <a:pt x="5278189" y="220947"/>
+                  </a:lnTo>
+                  <a:lnTo>
+                    <a:pt x="5481197" y="0"/>
+                  </a:lnTo>
+                  <a:lnTo>
+                    <a:pt x="5481197" y="3474908"/>
+                  </a:lnTo>
+                  <a:lnTo>
+                    <a:pt x="5278189" y="3474908"/>
+                  </a:lnTo>
+                  <a:lnTo>
+                    <a:pt x="5075182" y="3474908"/>
+                  </a:lnTo>
+                  <a:lnTo>
+                    <a:pt x="4872175" y="3474908"/>
+                  </a:lnTo>
+                  <a:lnTo>
+                    <a:pt x="4669167" y="3474908"/>
+                  </a:lnTo>
+                  <a:lnTo>
+                    <a:pt x="4466160" y="3474908"/>
+                  </a:lnTo>
+                  <a:lnTo>
+                    <a:pt x="4263153" y="3474908"/>
+                  </a:lnTo>
+                  <a:lnTo>
+                    <a:pt x="4060145" y="3474908"/>
+                  </a:lnTo>
+                  <a:lnTo>
+                    <a:pt x="3857138" y="3474908"/>
+                  </a:lnTo>
+                  <a:lnTo>
+                    <a:pt x="3654131" y="3474908"/>
+                  </a:lnTo>
+                  <a:lnTo>
+                    <a:pt x="3451124" y="3474908"/>
+                  </a:lnTo>
+                  <a:lnTo>
+                    <a:pt x="3248116" y="3474908"/>
+                  </a:lnTo>
+                  <a:lnTo>
+                    <a:pt x="3045109" y="3474908"/>
+                  </a:lnTo>
+                  <a:lnTo>
+                    <a:pt x="2842102" y="3474908"/>
+                  </a:lnTo>
+                  <a:lnTo>
+                    <a:pt x="2639094" y="3474908"/>
+                  </a:lnTo>
+                  <a:lnTo>
+                    <a:pt x="2436087" y="3474908"/>
+                  </a:lnTo>
+                  <a:lnTo>
+                    <a:pt x="2233080" y="3474908"/>
+                  </a:lnTo>
+                  <a:lnTo>
+                    <a:pt x="2030072" y="3474908"/>
+                  </a:lnTo>
+                  <a:lnTo>
+                    <a:pt x="1827065" y="3474908"/>
+                  </a:lnTo>
+                  <a:lnTo>
+                    <a:pt x="1624058" y="3474908"/>
+                  </a:lnTo>
+                  <a:lnTo>
+                    <a:pt x="1421051" y="3474908"/>
+                  </a:lnTo>
+                  <a:lnTo>
+                    <a:pt x="812029" y="3474908"/>
+                  </a:lnTo>
+                  <a:lnTo>
+                    <a:pt x="0" y="3474908"/>
                   </a:lnTo>
                   <a:close/>
                 </a:path>
@@ -4880,81 +4880,81 @@
           </p:nvSpPr>
           <p:spPr>
             <a:xfrm>
-              <a:off x="3483893" y="1966998"/>
-              <a:ext cx="4733051" cy="3518067"/>
+              <a:off x="3151384" y="1990273"/>
+              <a:ext cx="5481197" cy="3471560"/>
             </a:xfrm>
             <a:custGeom>
               <a:avLst/>
               <a:pathLst>
-                <a:path w="4733051" h="3518067">
+                <a:path w="5481197" h="3471560">
                   <a:moveTo>
-                    <a:pt x="0" y="3518067"/>
+                    <a:pt x="0" y="3471560"/>
                   </a:moveTo>
                   <a:lnTo>
-                    <a:pt x="701192" y="3518067"/>
-                  </a:lnTo>
-                  <a:lnTo>
-                    <a:pt x="1227087" y="3518067"/>
-                  </a:lnTo>
-                  <a:lnTo>
-                    <a:pt x="1402385" y="3518067"/>
-                  </a:lnTo>
-                  <a:lnTo>
-                    <a:pt x="1577683" y="3514674"/>
-                  </a:lnTo>
-                  <a:lnTo>
-                    <a:pt x="1752982" y="3490927"/>
-                  </a:lnTo>
-                  <a:lnTo>
-                    <a:pt x="1928280" y="3429861"/>
-                  </a:lnTo>
-                  <a:lnTo>
-                    <a:pt x="2103578" y="3440038"/>
-                  </a:lnTo>
-                  <a:lnTo>
-                    <a:pt x="2278876" y="3436646"/>
-                  </a:lnTo>
-                  <a:lnTo>
-                    <a:pt x="2454174" y="3321299"/>
-                  </a:lnTo>
-                  <a:lnTo>
-                    <a:pt x="2629473" y="3341655"/>
-                  </a:lnTo>
-                  <a:lnTo>
-                    <a:pt x="2804771" y="3250056"/>
-                  </a:lnTo>
-                  <a:lnTo>
-                    <a:pt x="2980069" y="3131317"/>
-                  </a:lnTo>
-                  <a:lnTo>
-                    <a:pt x="3155367" y="3097392"/>
-                  </a:lnTo>
-                  <a:lnTo>
-                    <a:pt x="3330665" y="2887054"/>
-                  </a:lnTo>
-                  <a:lnTo>
-                    <a:pt x="3505964" y="2809025"/>
-                  </a:lnTo>
-                  <a:lnTo>
-                    <a:pt x="3681262" y="2639398"/>
-                  </a:lnTo>
-                  <a:lnTo>
-                    <a:pt x="3856560" y="2412098"/>
-                  </a:lnTo>
-                  <a:lnTo>
-                    <a:pt x="4031858" y="2242471"/>
-                  </a:lnTo>
-                  <a:lnTo>
-                    <a:pt x="4207156" y="1811618"/>
-                  </a:lnTo>
-                  <a:lnTo>
-                    <a:pt x="4382455" y="1465578"/>
-                  </a:lnTo>
-                  <a:lnTo>
-                    <a:pt x="4557753" y="223907"/>
-                  </a:lnTo>
-                  <a:lnTo>
-                    <a:pt x="4733051" y="0"/>
+                    <a:pt x="812029" y="3471560"/>
+                  </a:lnTo>
+                  <a:lnTo>
+                    <a:pt x="1421051" y="3471560"/>
+                  </a:lnTo>
+                  <a:lnTo>
+                    <a:pt x="1624058" y="3471560"/>
+                  </a:lnTo>
+                  <a:lnTo>
+                    <a:pt x="1827065" y="3468213"/>
+                  </a:lnTo>
+                  <a:lnTo>
+                    <a:pt x="2030072" y="3444779"/>
+                  </a:lnTo>
+                  <a:lnTo>
+                    <a:pt x="2233080" y="3384520"/>
+                  </a:lnTo>
+                  <a:lnTo>
+                    <a:pt x="2436087" y="3394563"/>
+                  </a:lnTo>
+                  <a:lnTo>
+                    <a:pt x="2639094" y="3391216"/>
+                  </a:lnTo>
+                  <a:lnTo>
+                    <a:pt x="2842102" y="3277394"/>
+                  </a:lnTo>
+                  <a:lnTo>
+                    <a:pt x="3045109" y="3297480"/>
+                  </a:lnTo>
+                  <a:lnTo>
+                    <a:pt x="3248116" y="3207092"/>
+                  </a:lnTo>
+                  <a:lnTo>
+                    <a:pt x="3451124" y="3089923"/>
+                  </a:lnTo>
+                  <a:lnTo>
+                    <a:pt x="3654131" y="3056446"/>
+                  </a:lnTo>
+                  <a:lnTo>
+                    <a:pt x="3857138" y="2848889"/>
+                  </a:lnTo>
+                  <a:lnTo>
+                    <a:pt x="4060145" y="2771892"/>
+                  </a:lnTo>
+                  <a:lnTo>
+                    <a:pt x="4263153" y="2604507"/>
+                  </a:lnTo>
+                  <a:lnTo>
+                    <a:pt x="4466160" y="2380212"/>
+                  </a:lnTo>
+                  <a:lnTo>
+                    <a:pt x="4669167" y="2212827"/>
+                  </a:lnTo>
+                  <a:lnTo>
+                    <a:pt x="4872175" y="1787669"/>
+                  </a:lnTo>
+                  <a:lnTo>
+                    <a:pt x="5075182" y="1446204"/>
+                  </a:lnTo>
+                  <a:lnTo>
+                    <a:pt x="5278189" y="220947"/>
+                  </a:lnTo>
+                  <a:lnTo>
+                    <a:pt x="5481197" y="0"/>
                   </a:lnTo>
                 </a:path>
               </a:pathLst>
@@ -4974,81 +4974,81 @@
           </p:nvSpPr>
           <p:spPr>
             <a:xfrm>
-              <a:off x="3483893" y="1966998"/>
-              <a:ext cx="4733051" cy="3518067"/>
+              <a:off x="3151384" y="1990273"/>
+              <a:ext cx="5481197" cy="3471560"/>
             </a:xfrm>
             <a:custGeom>
               <a:avLst/>
               <a:pathLst>
-                <a:path w="4733051" h="3518067">
+                <a:path w="5481197" h="3471560">
                   <a:moveTo>
-                    <a:pt x="0" y="3518067"/>
+                    <a:pt x="0" y="3471560"/>
                   </a:moveTo>
                   <a:lnTo>
-                    <a:pt x="701192" y="3518067"/>
-                  </a:lnTo>
-                  <a:lnTo>
-                    <a:pt x="1227087" y="3518067"/>
-                  </a:lnTo>
-                  <a:lnTo>
-                    <a:pt x="1402385" y="3518067"/>
-                  </a:lnTo>
-                  <a:lnTo>
-                    <a:pt x="1577683" y="3514674"/>
-                  </a:lnTo>
-                  <a:lnTo>
-                    <a:pt x="1752982" y="3490927"/>
-                  </a:lnTo>
-                  <a:lnTo>
-                    <a:pt x="1928280" y="3429861"/>
-                  </a:lnTo>
-                  <a:lnTo>
-                    <a:pt x="2103578" y="3440038"/>
-                  </a:lnTo>
-                  <a:lnTo>
-                    <a:pt x="2278876" y="3436646"/>
-                  </a:lnTo>
-                  <a:lnTo>
-                    <a:pt x="2454174" y="3321299"/>
-                  </a:lnTo>
-                  <a:lnTo>
-                    <a:pt x="2629473" y="3341655"/>
-                  </a:lnTo>
-                  <a:lnTo>
-                    <a:pt x="2804771" y="3250056"/>
-                  </a:lnTo>
-                  <a:lnTo>
-                    <a:pt x="2980069" y="3131317"/>
-                  </a:lnTo>
-                  <a:lnTo>
-                    <a:pt x="3155367" y="3097392"/>
-                  </a:lnTo>
-                  <a:lnTo>
-                    <a:pt x="3330665" y="2887054"/>
-                  </a:lnTo>
-                  <a:lnTo>
-                    <a:pt x="3505964" y="2809025"/>
-                  </a:lnTo>
-                  <a:lnTo>
-                    <a:pt x="3681262" y="2639398"/>
-                  </a:lnTo>
-                  <a:lnTo>
-                    <a:pt x="3856560" y="2412098"/>
-                  </a:lnTo>
-                  <a:lnTo>
-                    <a:pt x="4031858" y="2242471"/>
-                  </a:lnTo>
-                  <a:lnTo>
-                    <a:pt x="4207156" y="1811618"/>
-                  </a:lnTo>
-                  <a:lnTo>
-                    <a:pt x="4382455" y="1465578"/>
-                  </a:lnTo>
-                  <a:lnTo>
-                    <a:pt x="4557753" y="223907"/>
-                  </a:lnTo>
-                  <a:lnTo>
-                    <a:pt x="4733051" y="0"/>
+                    <a:pt x="812029" y="3471560"/>
+                  </a:lnTo>
+                  <a:lnTo>
+                    <a:pt x="1421051" y="3471560"/>
+                  </a:lnTo>
+                  <a:lnTo>
+                    <a:pt x="1624058" y="3471560"/>
+                  </a:lnTo>
+                  <a:lnTo>
+                    <a:pt x="1827065" y="3468213"/>
+                  </a:lnTo>
+                  <a:lnTo>
+                    <a:pt x="2030072" y="3444779"/>
+                  </a:lnTo>
+                  <a:lnTo>
+                    <a:pt x="2233080" y="3384520"/>
+                  </a:lnTo>
+                  <a:lnTo>
+                    <a:pt x="2436087" y="3394563"/>
+                  </a:lnTo>
+                  <a:lnTo>
+                    <a:pt x="2639094" y="3391216"/>
+                  </a:lnTo>
+                  <a:lnTo>
+                    <a:pt x="2842102" y="3277394"/>
+                  </a:lnTo>
+                  <a:lnTo>
+                    <a:pt x="3045109" y="3297480"/>
+                  </a:lnTo>
+                  <a:lnTo>
+                    <a:pt x="3248116" y="3207092"/>
+                  </a:lnTo>
+                  <a:lnTo>
+                    <a:pt x="3451124" y="3089923"/>
+                  </a:lnTo>
+                  <a:lnTo>
+                    <a:pt x="3654131" y="3056446"/>
+                  </a:lnTo>
+                  <a:lnTo>
+                    <a:pt x="3857138" y="2848889"/>
+                  </a:lnTo>
+                  <a:lnTo>
+                    <a:pt x="4060145" y="2771892"/>
+                  </a:lnTo>
+                  <a:lnTo>
+                    <a:pt x="4263153" y="2604507"/>
+                  </a:lnTo>
+                  <a:lnTo>
+                    <a:pt x="4466160" y="2380212"/>
+                  </a:lnTo>
+                  <a:lnTo>
+                    <a:pt x="4669167" y="2212827"/>
+                  </a:lnTo>
+                  <a:lnTo>
+                    <a:pt x="4872175" y="1787669"/>
+                  </a:lnTo>
+                  <a:lnTo>
+                    <a:pt x="5075182" y="1446204"/>
+                  </a:lnTo>
+                  <a:lnTo>
+                    <a:pt x="5278189" y="220947"/>
+                  </a:lnTo>
+                  <a:lnTo>
+                    <a:pt x="5481197" y="0"/>
                   </a:lnTo>
                 </a:path>
               </a:pathLst>
@@ -5077,8 +5077,8 @@
           </p:nvSpPr>
           <p:spPr>
             <a:xfrm>
-              <a:off x="2695051" y="1790925"/>
-              <a:ext cx="5784840" cy="3873605"/>
+              <a:off x="2237851" y="1816528"/>
+              <a:ext cx="6699240" cy="3822399"/>
             </a:xfrm>
             <a:prstGeom prst="rect">
               <a:avLst/>
@@ -5107,7 +5107,7 @@
           </p:nvSpPr>
           <p:spPr>
             <a:xfrm>
-              <a:off x="2570265" y="5446766"/>
+              <a:off x="2113065" y="5423490"/>
               <a:ext cx="62155" cy="81691"/>
             </a:xfrm>
             <a:prstGeom prst="rect">
@@ -5153,7 +5153,7 @@
           </p:nvSpPr>
           <p:spPr>
             <a:xfrm>
-              <a:off x="2445954" y="4598630"/>
+              <a:off x="1988754" y="4586566"/>
               <a:ext cx="186466" cy="81691"/>
             </a:xfrm>
             <a:prstGeom prst="rect">
@@ -5199,7 +5199,7 @@
           </p:nvSpPr>
           <p:spPr>
             <a:xfrm>
-              <a:off x="2445954" y="3750494"/>
+              <a:off x="1988754" y="3749642"/>
               <a:ext cx="186466" cy="81691"/>
             </a:xfrm>
             <a:prstGeom prst="rect">
@@ -5245,7 +5245,7 @@
           </p:nvSpPr>
           <p:spPr>
             <a:xfrm>
-              <a:off x="2445954" y="2902358"/>
+              <a:off x="1988754" y="2912718"/>
               <a:ext cx="186466" cy="81691"/>
             </a:xfrm>
             <a:prstGeom prst="rect">
@@ -5291,7 +5291,7 @@
           </p:nvSpPr>
           <p:spPr>
             <a:xfrm>
-              <a:off x="2383799" y="2054223"/>
+              <a:off x="1926599" y="2075794"/>
               <a:ext cx="248622" cy="81691"/>
             </a:xfrm>
             <a:prstGeom prst="rect">
@@ -5337,7 +5337,7 @@
           </p:nvSpPr>
           <p:spPr>
             <a:xfrm>
-              <a:off x="2660257" y="5488458"/>
+              <a:off x="2203057" y="5465182"/>
               <a:ext cx="34794" cy="0"/>
             </a:xfrm>
             <a:custGeom>
@@ -5377,7 +5377,7 @@
           </p:nvSpPr>
           <p:spPr>
             <a:xfrm>
-              <a:off x="2660257" y="4640322"/>
+              <a:off x="2203057" y="4628258"/>
               <a:ext cx="34794" cy="0"/>
             </a:xfrm>
             <a:custGeom>
@@ -5417,7 +5417,7 @@
           </p:nvSpPr>
           <p:spPr>
             <a:xfrm>
-              <a:off x="2660257" y="3792186"/>
+              <a:off x="2203057" y="3791334"/>
               <a:ext cx="34794" cy="0"/>
             </a:xfrm>
             <a:custGeom>
@@ -5457,7 +5457,7 @@
           </p:nvSpPr>
           <p:spPr>
             <a:xfrm>
-              <a:off x="2660257" y="2944050"/>
+              <a:off x="2203057" y="2954410"/>
               <a:ext cx="34794" cy="0"/>
             </a:xfrm>
             <a:custGeom>
@@ -5497,7 +5497,7 @@
           </p:nvSpPr>
           <p:spPr>
             <a:xfrm>
-              <a:off x="2660257" y="2095914"/>
+              <a:off x="2203057" y="2117486"/>
               <a:ext cx="34794" cy="0"/>
             </a:xfrm>
             <a:custGeom>
@@ -5537,7 +5537,7 @@
           </p:nvSpPr>
           <p:spPr>
             <a:xfrm>
-              <a:off x="2957998" y="5664531"/>
+              <a:off x="2542362" y="5638927"/>
               <a:ext cx="0" cy="34794"/>
             </a:xfrm>
             <a:custGeom>
@@ -5577,7 +5577,7 @@
           </p:nvSpPr>
           <p:spPr>
             <a:xfrm>
-              <a:off x="4710981" y="5664531"/>
+              <a:off x="4572435" y="5638927"/>
               <a:ext cx="0" cy="34794"/>
             </a:xfrm>
             <a:custGeom>
@@ -5617,7 +5617,7 @@
           </p:nvSpPr>
           <p:spPr>
             <a:xfrm>
-              <a:off x="6463963" y="5664531"/>
+              <a:off x="6602508" y="5638927"/>
               <a:ext cx="0" cy="34794"/>
             </a:xfrm>
             <a:custGeom>
@@ -5657,7 +5657,7 @@
           </p:nvSpPr>
           <p:spPr>
             <a:xfrm>
-              <a:off x="8216945" y="5664531"/>
+              <a:off x="8632581" y="5638927"/>
               <a:ext cx="0" cy="34794"/>
             </a:xfrm>
             <a:custGeom>
@@ -5697,7 +5697,7 @@
           </p:nvSpPr>
           <p:spPr>
             <a:xfrm>
-              <a:off x="2833687" y="5725469"/>
+              <a:off x="2418051" y="5699866"/>
               <a:ext cx="248622" cy="81691"/>
             </a:xfrm>
             <a:prstGeom prst="rect">
@@ -5743,7 +5743,7 @@
           </p:nvSpPr>
           <p:spPr>
             <a:xfrm>
-              <a:off x="4586669" y="5725469"/>
+              <a:off x="4448124" y="5699866"/>
               <a:ext cx="248622" cy="81691"/>
             </a:xfrm>
             <a:prstGeom prst="rect">
@@ -5789,7 +5789,7 @@
           </p:nvSpPr>
           <p:spPr>
             <a:xfrm>
-              <a:off x="6339651" y="5725469"/>
+              <a:off x="6478197" y="5699866"/>
               <a:ext cx="248622" cy="81691"/>
             </a:xfrm>
             <a:prstGeom prst="rect">
@@ -5835,7 +5835,7 @@
           </p:nvSpPr>
           <p:spPr>
             <a:xfrm>
-              <a:off x="8092633" y="5725469"/>
+              <a:off x="8508270" y="5699866"/>
               <a:ext cx="248622" cy="81691"/>
             </a:xfrm>
             <a:prstGeom prst="rect">
@@ -5881,7 +5881,7 @@
           </p:nvSpPr>
           <p:spPr>
             <a:xfrm rot="-5400000">
-              <a:off x="2042281" y="3676909"/>
+              <a:off x="1585081" y="3676909"/>
               <a:ext cx="450341" cy="101637"/>
             </a:xfrm>
             <a:prstGeom prst="rect">
@@ -5927,7 +5927,7 @@
           </p:nvSpPr>
           <p:spPr>
             <a:xfrm>
-              <a:off x="2695051" y="1563049"/>
+              <a:off x="2237851" y="1588652"/>
               <a:ext cx="1304612" cy="121964"/>
             </a:xfrm>
             <a:prstGeom prst="rect">
